--- a/Delayed Differential Equations.pptx
+++ b/Delayed Differential Equations.pptx
@@ -151,773 +151,6 @@
 <file path=ppt/changesInfos/changesInfo1.xml><?xml version="1.0" encoding="utf-8"?>
 <pc:chgInfo xmlns:a="http://schemas.openxmlformats.org/drawingml/2006/main" xmlns:r="http://schemas.openxmlformats.org/officeDocument/2006/relationships" xmlns:ac="http://schemas.microsoft.com/office/drawing/2013/main/command" xmlns:pc="http://schemas.microsoft.com/office/powerpoint/2013/main/command">
   <pc:docChgLst>
-    <pc:chgData name="Guest User" userId="S::urn:spo:anon#3205668be4588c2972589c1e47289ecaadf7add4689612247353337f1030b440::" providerId="AD" clId="Web-{5D9FA5E9-18DC-F178-D7E0-86373AD4F03E}"/>
-    <pc:docChg chg="addSld modSld sldOrd">
-      <pc:chgData name="Guest User" userId="S::urn:spo:anon#3205668be4588c2972589c1e47289ecaadf7add4689612247353337f1030b440::" providerId="AD" clId="Web-{5D9FA5E9-18DC-F178-D7E0-86373AD4F03E}" dt="2023-03-31T02:12:03.998" v="533" actId="20577"/>
-      <pc:docMkLst>
-        <pc:docMk/>
-      </pc:docMkLst>
-      <pc:sldChg chg="addSp delSp modSp ord">
-        <pc:chgData name="Guest User" userId="S::urn:spo:anon#3205668be4588c2972589c1e47289ecaadf7add4689612247353337f1030b440::" providerId="AD" clId="Web-{5D9FA5E9-18DC-F178-D7E0-86373AD4F03E}" dt="2023-03-31T02:12:03.998" v="533" actId="20577"/>
-        <pc:sldMkLst>
-          <pc:docMk/>
-          <pc:sldMk cId="2123093239" sldId="258"/>
-        </pc:sldMkLst>
-        <pc:spChg chg="mod">
-          <ac:chgData name="Guest User" userId="S::urn:spo:anon#3205668be4588c2972589c1e47289ecaadf7add4689612247353337f1030b440::" providerId="AD" clId="Web-{5D9FA5E9-18DC-F178-D7E0-86373AD4F03E}" dt="2023-03-31T02:06:03.908" v="244" actId="20577"/>
-          <ac:spMkLst>
-            <pc:docMk/>
-            <pc:sldMk cId="2123093239" sldId="258"/>
-            <ac:spMk id="2" creationId="{F226BFF5-2E85-3AFE-73C9-BE7D526832EE}"/>
-          </ac:spMkLst>
-        </pc:spChg>
-        <pc:spChg chg="mod">
-          <ac:chgData name="Guest User" userId="S::urn:spo:anon#3205668be4588c2972589c1e47289ecaadf7add4689612247353337f1030b440::" providerId="AD" clId="Web-{5D9FA5E9-18DC-F178-D7E0-86373AD4F03E}" dt="2023-03-31T02:12:03.998" v="533" actId="20577"/>
-          <ac:spMkLst>
-            <pc:docMk/>
-            <pc:sldMk cId="2123093239" sldId="258"/>
-            <ac:spMk id="8" creationId="{FF0542F9-D859-157C-1D6C-1928E73F55FA}"/>
-          </ac:spMkLst>
-        </pc:spChg>
-        <pc:picChg chg="add del mod">
-          <ac:chgData name="Guest User" userId="S::urn:spo:anon#3205668be4588c2972589c1e47289ecaadf7add4689612247353337f1030b440::" providerId="AD" clId="Web-{5D9FA5E9-18DC-F178-D7E0-86373AD4F03E}" dt="2023-03-31T02:03:29.653" v="225"/>
-          <ac:picMkLst>
-            <pc:docMk/>
-            <pc:sldMk cId="2123093239" sldId="258"/>
-            <ac:picMk id="3" creationId="{64DC31FD-2928-20F8-7B70-A3A802B9A506}"/>
-          </ac:picMkLst>
-        </pc:picChg>
-        <pc:picChg chg="del mod">
-          <ac:chgData name="Guest User" userId="S::urn:spo:anon#3205668be4588c2972589c1e47289ecaadf7add4689612247353337f1030b440::" providerId="AD" clId="Web-{5D9FA5E9-18DC-F178-D7E0-86373AD4F03E}" dt="2023-03-31T02:02:07.213" v="217"/>
-          <ac:picMkLst>
-            <pc:docMk/>
-            <pc:sldMk cId="2123093239" sldId="258"/>
-            <ac:picMk id="4" creationId="{C3C7DED4-607F-CF70-0500-3BDD707F8670}"/>
-          </ac:picMkLst>
-        </pc:picChg>
-        <pc:picChg chg="add mod">
-          <ac:chgData name="Guest User" userId="S::urn:spo:anon#3205668be4588c2972589c1e47289ecaadf7add4689612247353337f1030b440::" providerId="AD" clId="Web-{5D9FA5E9-18DC-F178-D7E0-86373AD4F03E}" dt="2023-03-31T02:07:13.442" v="255" actId="1076"/>
-          <ac:picMkLst>
-            <pc:docMk/>
-            <pc:sldMk cId="2123093239" sldId="258"/>
-            <ac:picMk id="5" creationId="{82996CCD-4403-E192-F472-AD5651BE47BA}"/>
-          </ac:picMkLst>
-        </pc:picChg>
-        <pc:picChg chg="add mod">
-          <ac:chgData name="Guest User" userId="S::urn:spo:anon#3205668be4588c2972589c1e47289ecaadf7add4689612247353337f1030b440::" providerId="AD" clId="Web-{5D9FA5E9-18DC-F178-D7E0-86373AD4F03E}" dt="2023-03-31T02:06:59.816" v="253" actId="1076"/>
-          <ac:picMkLst>
-            <pc:docMk/>
-            <pc:sldMk cId="2123093239" sldId="258"/>
-            <ac:picMk id="6" creationId="{34B6F671-BD58-6312-FAD2-BD9A78D4C7A8}"/>
-          </ac:picMkLst>
-        </pc:picChg>
-      </pc:sldChg>
-      <pc:sldChg chg="modSp add replId">
-        <pc:chgData name="Guest User" userId="S::urn:spo:anon#3205668be4588c2972589c1e47289ecaadf7add4689612247353337f1030b440::" providerId="AD" clId="Web-{5D9FA5E9-18DC-F178-D7E0-86373AD4F03E}" dt="2023-03-31T01:46:21.589" v="215" actId="20577"/>
-        <pc:sldMkLst>
-          <pc:docMk/>
-          <pc:sldMk cId="4290075758" sldId="260"/>
-        </pc:sldMkLst>
-        <pc:spChg chg="mod">
-          <ac:chgData name="Guest User" userId="S::urn:spo:anon#3205668be4588c2972589c1e47289ecaadf7add4689612247353337f1030b440::" providerId="AD" clId="Web-{5D9FA5E9-18DC-F178-D7E0-86373AD4F03E}" dt="2023-03-31T01:46:21.589" v="215" actId="20577"/>
-          <ac:spMkLst>
-            <pc:docMk/>
-            <pc:sldMk cId="4290075758" sldId="260"/>
-            <ac:spMk id="8" creationId="{FF0542F9-D859-157C-1D6C-1928E73F55FA}"/>
-          </ac:spMkLst>
-        </pc:spChg>
-      </pc:sldChg>
-    </pc:docChg>
-  </pc:docChgLst>
-  <pc:docChgLst>
-    <pc:chgData name="Martin, Tony" userId="b1bd46c3-4005-4c25-a278-03e5f4aa714e" providerId="ADAL" clId="{374F2BE5-76F1-4E11-9EBE-9B7962EAA8FB}"/>
-    <pc:docChg chg="undo custSel addSld modSld addMainMaster delMainMaster">
-      <pc:chgData name="Martin, Tony" userId="b1bd46c3-4005-4c25-a278-03e5f4aa714e" providerId="ADAL" clId="{374F2BE5-76F1-4E11-9EBE-9B7962EAA8FB}" dt="2023-03-31T14:14:44.891" v="700" actId="1076"/>
-      <pc:docMkLst>
-        <pc:docMk/>
-      </pc:docMkLst>
-      <pc:sldChg chg="addSp modSp mod setBg modClrScheme chgLayout">
-        <pc:chgData name="Martin, Tony" userId="b1bd46c3-4005-4c25-a278-03e5f4aa714e" providerId="ADAL" clId="{374F2BE5-76F1-4E11-9EBE-9B7962EAA8FB}" dt="2023-03-30T13:51:10.917" v="49" actId="27636"/>
-        <pc:sldMkLst>
-          <pc:docMk/>
-          <pc:sldMk cId="2811935155" sldId="256"/>
-        </pc:sldMkLst>
-        <pc:spChg chg="mod">
-          <ac:chgData name="Martin, Tony" userId="b1bd46c3-4005-4c25-a278-03e5f4aa714e" providerId="ADAL" clId="{374F2BE5-76F1-4E11-9EBE-9B7962EAA8FB}" dt="2023-03-30T13:48:46.359" v="0" actId="26606"/>
-          <ac:spMkLst>
-            <pc:docMk/>
-            <pc:sldMk cId="2811935155" sldId="256"/>
-            <ac:spMk id="2" creationId="{EBD8D630-2D33-9C42-26B9-6B0FDF6769FB}"/>
-          </ac:spMkLst>
-        </pc:spChg>
-        <pc:spChg chg="mod">
-          <ac:chgData name="Martin, Tony" userId="b1bd46c3-4005-4c25-a278-03e5f4aa714e" providerId="ADAL" clId="{374F2BE5-76F1-4E11-9EBE-9B7962EAA8FB}" dt="2023-03-30T13:51:10.917" v="49" actId="27636"/>
-          <ac:spMkLst>
-            <pc:docMk/>
-            <pc:sldMk cId="2811935155" sldId="256"/>
-            <ac:spMk id="3" creationId="{382090E8-10EF-BA80-282F-BD3DF10E29C3}"/>
-          </ac:spMkLst>
-        </pc:spChg>
-        <pc:spChg chg="add">
-          <ac:chgData name="Martin, Tony" userId="b1bd46c3-4005-4c25-a278-03e5f4aa714e" providerId="ADAL" clId="{374F2BE5-76F1-4E11-9EBE-9B7962EAA8FB}" dt="2023-03-30T13:48:46.359" v="0" actId="26606"/>
-          <ac:spMkLst>
-            <pc:docMk/>
-            <pc:sldMk cId="2811935155" sldId="256"/>
-            <ac:spMk id="9" creationId="{7DA3C418-758E-4180-A5D0-8655D6804587}"/>
-          </ac:spMkLst>
-        </pc:spChg>
-        <pc:spChg chg="add">
-          <ac:chgData name="Martin, Tony" userId="b1bd46c3-4005-4c25-a278-03e5f4aa714e" providerId="ADAL" clId="{374F2BE5-76F1-4E11-9EBE-9B7962EAA8FB}" dt="2023-03-30T13:48:46.359" v="0" actId="26606"/>
-          <ac:spMkLst>
-            <pc:docMk/>
-            <pc:sldMk cId="2811935155" sldId="256"/>
-            <ac:spMk id="11" creationId="{28C8EF06-5EC3-4883-AFAF-D74FF46550FB}"/>
-          </ac:spMkLst>
-        </pc:spChg>
-        <pc:picChg chg="add mod">
-          <ac:chgData name="Martin, Tony" userId="b1bd46c3-4005-4c25-a278-03e5f4aa714e" providerId="ADAL" clId="{374F2BE5-76F1-4E11-9EBE-9B7962EAA8FB}" dt="2023-03-30T13:49:23.581" v="1" actId="27614"/>
-          <ac:picMkLst>
-            <pc:docMk/>
-            <pc:sldMk cId="2811935155" sldId="256"/>
-            <ac:picMk id="4" creationId="{AABEB4FB-A493-C5CB-AE8B-0FF8F8CEFDCD}"/>
-          </ac:picMkLst>
-        </pc:picChg>
-      </pc:sldChg>
-      <pc:sldChg chg="addSp delSp modSp new mod setBg">
-        <pc:chgData name="Martin, Tony" userId="b1bd46c3-4005-4c25-a278-03e5f4aa714e" providerId="ADAL" clId="{374F2BE5-76F1-4E11-9EBE-9B7962EAA8FB}" dt="2023-03-31T10:23:40.235" v="610" actId="20577"/>
-        <pc:sldMkLst>
-          <pc:docMk/>
-          <pc:sldMk cId="3127641343" sldId="257"/>
-        </pc:sldMkLst>
-        <pc:spChg chg="mod">
-          <ac:chgData name="Martin, Tony" userId="b1bd46c3-4005-4c25-a278-03e5f4aa714e" providerId="ADAL" clId="{374F2BE5-76F1-4E11-9EBE-9B7962EAA8FB}" dt="2023-03-31T10:20:13.911" v="497" actId="1037"/>
-          <ac:spMkLst>
-            <pc:docMk/>
-            <pc:sldMk cId="3127641343" sldId="257"/>
-            <ac:spMk id="2" creationId="{556A5D17-3788-79FB-8877-A35F46FEC1C3}"/>
-          </ac:spMkLst>
-        </pc:spChg>
-        <pc:spChg chg="mod ord">
-          <ac:chgData name="Martin, Tony" userId="b1bd46c3-4005-4c25-a278-03e5f4aa714e" providerId="ADAL" clId="{374F2BE5-76F1-4E11-9EBE-9B7962EAA8FB}" dt="2023-03-31T10:23:40.235" v="610" actId="20577"/>
-          <ac:spMkLst>
-            <pc:docMk/>
-            <pc:sldMk cId="3127641343" sldId="257"/>
-            <ac:spMk id="3" creationId="{7FE39BC9-954B-70C9-55B8-CA3DD6F2DA77}"/>
-          </ac:spMkLst>
-        </pc:spChg>
-        <pc:spChg chg="add del">
-          <ac:chgData name="Martin, Tony" userId="b1bd46c3-4005-4c25-a278-03e5f4aa714e" providerId="ADAL" clId="{374F2BE5-76F1-4E11-9EBE-9B7962EAA8FB}" dt="2023-03-31T09:47:38.544" v="55" actId="26606"/>
-          <ac:spMkLst>
-            <pc:docMk/>
-            <pc:sldMk cId="3127641343" sldId="257"/>
-            <ac:spMk id="12" creationId="{DD68B093-D5D0-413E-B63F-4E732B9D0FE7}"/>
-          </ac:spMkLst>
-        </pc:spChg>
-        <pc:spChg chg="add del">
-          <ac:chgData name="Martin, Tony" userId="b1bd46c3-4005-4c25-a278-03e5f4aa714e" providerId="ADAL" clId="{374F2BE5-76F1-4E11-9EBE-9B7962EAA8FB}" dt="2023-03-31T09:47:38.544" v="55" actId="26606"/>
-          <ac:spMkLst>
-            <pc:docMk/>
-            <pc:sldMk cId="3127641343" sldId="257"/>
-            <ac:spMk id="14" creationId="{AD476645-8D91-4AA1-99AA-A41FB38973AC}"/>
-          </ac:spMkLst>
-        </pc:spChg>
-        <pc:spChg chg="add del">
-          <ac:chgData name="Martin, Tony" userId="b1bd46c3-4005-4c25-a278-03e5f4aa714e" providerId="ADAL" clId="{374F2BE5-76F1-4E11-9EBE-9B7962EAA8FB}" dt="2023-03-31T09:48:03.841" v="62" actId="26606"/>
-          <ac:spMkLst>
-            <pc:docMk/>
-            <pc:sldMk cId="3127641343" sldId="257"/>
-            <ac:spMk id="16" creationId="{1BBFDD63-AD5F-4E42-979B-2FBDE3450982}"/>
-          </ac:spMkLst>
-        </pc:spChg>
-        <pc:spChg chg="add del">
-          <ac:chgData name="Martin, Tony" userId="b1bd46c3-4005-4c25-a278-03e5f4aa714e" providerId="ADAL" clId="{374F2BE5-76F1-4E11-9EBE-9B7962EAA8FB}" dt="2023-03-31T09:48:03.841" v="62" actId="26606"/>
-          <ac:spMkLst>
-            <pc:docMk/>
-            <pc:sldMk cId="3127641343" sldId="257"/>
-            <ac:spMk id="17" creationId="{31AA1E1C-DA67-488F-A983-F3ABD792C3BE}"/>
-          </ac:spMkLst>
-        </pc:spChg>
-        <pc:spChg chg="add del">
-          <ac:chgData name="Martin, Tony" userId="b1bd46c3-4005-4c25-a278-03e5f4aa714e" providerId="ADAL" clId="{374F2BE5-76F1-4E11-9EBE-9B7962EAA8FB}" dt="2023-03-31T09:48:03.841" v="62" actId="26606"/>
-          <ac:spMkLst>
-            <pc:docMk/>
-            <pc:sldMk cId="3127641343" sldId="257"/>
-            <ac:spMk id="18" creationId="{AABDB02C-700D-4121-B1D1-CCB58F4BE5E0}"/>
-          </ac:spMkLst>
-        </pc:spChg>
-        <pc:spChg chg="add del">
-          <ac:chgData name="Martin, Tony" userId="b1bd46c3-4005-4c25-a278-03e5f4aa714e" providerId="ADAL" clId="{374F2BE5-76F1-4E11-9EBE-9B7962EAA8FB}" dt="2023-03-31T09:48:03.841" v="62" actId="26606"/>
-          <ac:spMkLst>
-            <pc:docMk/>
-            <pc:sldMk cId="3127641343" sldId="257"/>
-            <ac:spMk id="19" creationId="{DC46DA5A-CECD-42F0-A57E-8D5BAE36270E}"/>
-          </ac:spMkLst>
-        </pc:spChg>
-        <pc:spChg chg="add del">
-          <ac:chgData name="Martin, Tony" userId="b1bd46c3-4005-4c25-a278-03e5f4aa714e" providerId="ADAL" clId="{374F2BE5-76F1-4E11-9EBE-9B7962EAA8FB}" dt="2023-03-31T09:48:03.827" v="61" actId="26606"/>
-          <ac:spMkLst>
-            <pc:docMk/>
-            <pc:sldMk cId="3127641343" sldId="257"/>
-            <ac:spMk id="24" creationId="{05921802-0622-4962-A3B3-3482F4370DA8}"/>
-          </ac:spMkLst>
-        </pc:spChg>
-        <pc:spChg chg="add del">
-          <ac:chgData name="Martin, Tony" userId="b1bd46c3-4005-4c25-a278-03e5f4aa714e" providerId="ADAL" clId="{374F2BE5-76F1-4E11-9EBE-9B7962EAA8FB}" dt="2023-03-31T09:48:03.827" v="61" actId="26606"/>
-          <ac:spMkLst>
-            <pc:docMk/>
-            <pc:sldMk cId="3127641343" sldId="257"/>
-            <ac:spMk id="26" creationId="{1B1F4A36-746F-4D35-8BAB-02B98F2B8B87}"/>
-          </ac:spMkLst>
-        </pc:spChg>
-        <pc:spChg chg="add">
-          <ac:chgData name="Martin, Tony" userId="b1bd46c3-4005-4c25-a278-03e5f4aa714e" providerId="ADAL" clId="{374F2BE5-76F1-4E11-9EBE-9B7962EAA8FB}" dt="2023-03-31T09:48:03.841" v="62" actId="26606"/>
-          <ac:spMkLst>
-            <pc:docMk/>
-            <pc:sldMk cId="3127641343" sldId="257"/>
-            <ac:spMk id="28" creationId="{DD68B093-D5D0-413E-B63F-4E732B9D0FE7}"/>
-          </ac:spMkLst>
-        </pc:spChg>
-        <pc:spChg chg="add">
-          <ac:chgData name="Martin, Tony" userId="b1bd46c3-4005-4c25-a278-03e5f4aa714e" providerId="ADAL" clId="{374F2BE5-76F1-4E11-9EBE-9B7962EAA8FB}" dt="2023-03-31T09:48:03.841" v="62" actId="26606"/>
-          <ac:spMkLst>
-            <pc:docMk/>
-            <pc:sldMk cId="3127641343" sldId="257"/>
-            <ac:spMk id="29" creationId="{AD476645-8D91-4AA1-99AA-A41FB38973AC}"/>
-          </ac:spMkLst>
-        </pc:spChg>
-        <pc:picChg chg="add mod">
-          <ac:chgData name="Martin, Tony" userId="b1bd46c3-4005-4c25-a278-03e5f4aa714e" providerId="ADAL" clId="{374F2BE5-76F1-4E11-9EBE-9B7962EAA8FB}" dt="2023-03-31T09:49:00.331" v="70" actId="1076"/>
-          <ac:picMkLst>
-            <pc:docMk/>
-            <pc:sldMk cId="3127641343" sldId="257"/>
-            <ac:picMk id="5" creationId="{78B61DF9-79F5-BF47-7964-8E62BEA5A26F}"/>
-          </ac:picMkLst>
-        </pc:picChg>
-        <pc:picChg chg="add mod">
-          <ac:chgData name="Martin, Tony" userId="b1bd46c3-4005-4c25-a278-03e5f4aa714e" providerId="ADAL" clId="{374F2BE5-76F1-4E11-9EBE-9B7962EAA8FB}" dt="2023-03-31T09:49:02.588" v="71" actId="1076"/>
-          <ac:picMkLst>
-            <pc:docMk/>
-            <pc:sldMk cId="3127641343" sldId="257"/>
-            <ac:picMk id="7" creationId="{DB026666-7945-33D7-A618-0698C6C54254}"/>
-          </ac:picMkLst>
-        </pc:picChg>
-        <pc:picChg chg="add mod">
-          <ac:chgData name="Martin, Tony" userId="b1bd46c3-4005-4c25-a278-03e5f4aa714e" providerId="ADAL" clId="{374F2BE5-76F1-4E11-9EBE-9B7962EAA8FB}" dt="2023-03-31T10:21:16.213" v="527" actId="1076"/>
-          <ac:picMkLst>
-            <pc:docMk/>
-            <pc:sldMk cId="3127641343" sldId="257"/>
-            <ac:picMk id="9" creationId="{04533963-E037-D2DA-EC5D-C31A7B960631}"/>
-          </ac:picMkLst>
-        </pc:picChg>
-      </pc:sldChg>
-      <pc:sldChg chg="addSp delSp modSp add mod">
-        <pc:chgData name="Martin, Tony" userId="b1bd46c3-4005-4c25-a278-03e5f4aa714e" providerId="ADAL" clId="{374F2BE5-76F1-4E11-9EBE-9B7962EAA8FB}" dt="2023-03-31T10:20:28.423" v="501" actId="1037"/>
-        <pc:sldMkLst>
-          <pc:docMk/>
-          <pc:sldMk cId="3357121471" sldId="274"/>
-        </pc:sldMkLst>
-        <pc:spChg chg="mod">
-          <ac:chgData name="Martin, Tony" userId="b1bd46c3-4005-4c25-a278-03e5f4aa714e" providerId="ADAL" clId="{374F2BE5-76F1-4E11-9EBE-9B7962EAA8FB}" dt="2023-03-31T10:20:28.423" v="501" actId="1037"/>
-          <ac:spMkLst>
-            <pc:docMk/>
-            <pc:sldMk cId="3357121471" sldId="274"/>
-            <ac:spMk id="2" creationId="{556A5D17-3788-79FB-8877-A35F46FEC1C3}"/>
-          </ac:spMkLst>
-        </pc:spChg>
-        <pc:spChg chg="mod">
-          <ac:chgData name="Martin, Tony" userId="b1bd46c3-4005-4c25-a278-03e5f4aa714e" providerId="ADAL" clId="{374F2BE5-76F1-4E11-9EBE-9B7962EAA8FB}" dt="2023-03-31T10:18:05.438" v="471" actId="20577"/>
-          <ac:spMkLst>
-            <pc:docMk/>
-            <pc:sldMk cId="3357121471" sldId="274"/>
-            <ac:spMk id="3" creationId="{7FE39BC9-954B-70C9-55B8-CA3DD6F2DA77}"/>
-          </ac:spMkLst>
-        </pc:spChg>
-        <pc:picChg chg="del">
-          <ac:chgData name="Martin, Tony" userId="b1bd46c3-4005-4c25-a278-03e5f4aa714e" providerId="ADAL" clId="{374F2BE5-76F1-4E11-9EBE-9B7962EAA8FB}" dt="2023-03-31T10:05:52.560" v="100" actId="478"/>
-          <ac:picMkLst>
-            <pc:docMk/>
-            <pc:sldMk cId="3357121471" sldId="274"/>
-            <ac:picMk id="5" creationId="{78B61DF9-79F5-BF47-7964-8E62BEA5A26F}"/>
-          </ac:picMkLst>
-        </pc:picChg>
-        <pc:picChg chg="add mod">
-          <ac:chgData name="Martin, Tony" userId="b1bd46c3-4005-4c25-a278-03e5f4aa714e" providerId="ADAL" clId="{374F2BE5-76F1-4E11-9EBE-9B7962EAA8FB}" dt="2023-03-31T10:06:02.192" v="102" actId="14100"/>
-          <ac:picMkLst>
-            <pc:docMk/>
-            <pc:sldMk cId="3357121471" sldId="274"/>
-            <ac:picMk id="6" creationId="{1ECD2913-F578-8DAF-0ED6-4D73FAD80B86}"/>
-          </ac:picMkLst>
-        </pc:picChg>
-        <pc:picChg chg="add del">
-          <ac:chgData name="Martin, Tony" userId="b1bd46c3-4005-4c25-a278-03e5f4aa714e" providerId="ADAL" clId="{374F2BE5-76F1-4E11-9EBE-9B7962EAA8FB}" dt="2023-03-31T10:07:11.754" v="112" actId="478"/>
-          <ac:picMkLst>
-            <pc:docMk/>
-            <pc:sldMk cId="3357121471" sldId="274"/>
-            <ac:picMk id="7" creationId="{DB026666-7945-33D7-A618-0698C6C54254}"/>
-          </ac:picMkLst>
-        </pc:picChg>
-        <pc:picChg chg="add del mod">
-          <ac:chgData name="Martin, Tony" userId="b1bd46c3-4005-4c25-a278-03e5f4aa714e" providerId="ADAL" clId="{374F2BE5-76F1-4E11-9EBE-9B7962EAA8FB}" dt="2023-03-31T10:07:02.335" v="107" actId="22"/>
-          <ac:picMkLst>
-            <pc:docMk/>
-            <pc:sldMk cId="3357121471" sldId="274"/>
-            <ac:picMk id="9" creationId="{2E37D9CA-02FD-07A0-6C94-B03D58ED5C44}"/>
-          </ac:picMkLst>
-        </pc:picChg>
-        <pc:picChg chg="add mod">
-          <ac:chgData name="Martin, Tony" userId="b1bd46c3-4005-4c25-a278-03e5f4aa714e" providerId="ADAL" clId="{374F2BE5-76F1-4E11-9EBE-9B7962EAA8FB}" dt="2023-03-31T10:07:14.979" v="113" actId="14100"/>
-          <ac:picMkLst>
-            <pc:docMk/>
-            <pc:sldMk cId="3357121471" sldId="274"/>
-            <ac:picMk id="11" creationId="{D3DB2B7A-DD5F-3779-5138-D688BACB2AE4}"/>
-          </ac:picMkLst>
-        </pc:picChg>
-        <pc:picChg chg="add mod">
-          <ac:chgData name="Martin, Tony" userId="b1bd46c3-4005-4c25-a278-03e5f4aa714e" providerId="ADAL" clId="{374F2BE5-76F1-4E11-9EBE-9B7962EAA8FB}" dt="2023-03-31T10:15:38.632" v="367" actId="1076"/>
-          <ac:picMkLst>
-            <pc:docMk/>
-            <pc:sldMk cId="3357121471" sldId="274"/>
-            <ac:picMk id="13" creationId="{FF949724-7C53-0518-E8AF-E6353E8AC448}"/>
-          </ac:picMkLst>
-        </pc:picChg>
-        <pc:picChg chg="add mod modCrop">
-          <ac:chgData name="Martin, Tony" userId="b1bd46c3-4005-4c25-a278-03e5f4aa714e" providerId="ADAL" clId="{374F2BE5-76F1-4E11-9EBE-9B7962EAA8FB}" dt="2023-03-31T10:18:39.199" v="476" actId="732"/>
-          <ac:picMkLst>
-            <pc:docMk/>
-            <pc:sldMk cId="3357121471" sldId="274"/>
-            <ac:picMk id="15" creationId="{98CD47CB-D19D-5C39-9A28-DE01FF8256BF}"/>
-          </ac:picMkLst>
-        </pc:picChg>
-      </pc:sldChg>
-      <pc:sldChg chg="addSp delSp modSp add mod">
-        <pc:chgData name="Martin, Tony" userId="b1bd46c3-4005-4c25-a278-03e5f4aa714e" providerId="ADAL" clId="{374F2BE5-76F1-4E11-9EBE-9B7962EAA8FB}" dt="2023-03-31T14:06:15.534" v="635" actId="14100"/>
-        <pc:sldMkLst>
-          <pc:docMk/>
-          <pc:sldMk cId="547596241" sldId="275"/>
-        </pc:sldMkLst>
-        <pc:picChg chg="add mod">
-          <ac:chgData name="Martin, Tony" userId="b1bd46c3-4005-4c25-a278-03e5f4aa714e" providerId="ADAL" clId="{374F2BE5-76F1-4E11-9EBE-9B7962EAA8FB}" dt="2023-03-31T14:05:38.056" v="628" actId="14100"/>
-          <ac:picMkLst>
-            <pc:docMk/>
-            <pc:sldMk cId="547596241" sldId="275"/>
-            <ac:picMk id="5" creationId="{22398C2E-BC61-D1DA-4617-F40F1975BF2C}"/>
-          </ac:picMkLst>
-        </pc:picChg>
-        <pc:picChg chg="del">
-          <ac:chgData name="Martin, Tony" userId="b1bd46c3-4005-4c25-a278-03e5f4aa714e" providerId="ADAL" clId="{374F2BE5-76F1-4E11-9EBE-9B7962EAA8FB}" dt="2023-03-31T14:05:32.593" v="627" actId="478"/>
-          <ac:picMkLst>
-            <pc:docMk/>
-            <pc:sldMk cId="547596241" sldId="275"/>
-            <ac:picMk id="6" creationId="{1ECD2913-F578-8DAF-0ED6-4D73FAD80B86}"/>
-          </ac:picMkLst>
-        </pc:picChg>
-        <pc:picChg chg="add mod">
-          <ac:chgData name="Martin, Tony" userId="b1bd46c3-4005-4c25-a278-03e5f4aa714e" providerId="ADAL" clId="{374F2BE5-76F1-4E11-9EBE-9B7962EAA8FB}" dt="2023-03-31T14:06:15.534" v="635" actId="14100"/>
-          <ac:picMkLst>
-            <pc:docMk/>
-            <pc:sldMk cId="547596241" sldId="275"/>
-            <ac:picMk id="8" creationId="{35B84912-CACE-8D15-350E-93E7160A1880}"/>
-          </ac:picMkLst>
-        </pc:picChg>
-        <pc:picChg chg="del">
-          <ac:chgData name="Martin, Tony" userId="b1bd46c3-4005-4c25-a278-03e5f4aa714e" providerId="ADAL" clId="{374F2BE5-76F1-4E11-9EBE-9B7962EAA8FB}" dt="2023-03-31T14:06:11.057" v="634" actId="478"/>
-          <ac:picMkLst>
-            <pc:docMk/>
-            <pc:sldMk cId="547596241" sldId="275"/>
-            <ac:picMk id="11" creationId="{D3DB2B7A-DD5F-3779-5138-D688BACB2AE4}"/>
-          </ac:picMkLst>
-        </pc:picChg>
-      </pc:sldChg>
-      <pc:sldChg chg="addSp delSp modSp add mod">
-        <pc:chgData name="Martin, Tony" userId="b1bd46c3-4005-4c25-a278-03e5f4aa714e" providerId="ADAL" clId="{374F2BE5-76F1-4E11-9EBE-9B7962EAA8FB}" dt="2023-03-31T14:08:29.947" v="639" actId="1076"/>
-        <pc:sldMkLst>
-          <pc:docMk/>
-          <pc:sldMk cId="1148940179" sldId="277"/>
-        </pc:sldMkLst>
-        <pc:spChg chg="add del mod">
-          <ac:chgData name="Martin, Tony" userId="b1bd46c3-4005-4c25-a278-03e5f4aa714e" providerId="ADAL" clId="{374F2BE5-76F1-4E11-9EBE-9B7962EAA8FB}" dt="2023-03-31T14:08:24.919" v="637" actId="478"/>
-          <ac:spMkLst>
-            <pc:docMk/>
-            <pc:sldMk cId="1148940179" sldId="277"/>
-            <ac:spMk id="9" creationId="{6FF1DC6F-AA83-F080-D166-D788BCDEEE2B}"/>
-          </ac:spMkLst>
-        </pc:spChg>
-        <pc:picChg chg="add mod">
-          <ac:chgData name="Martin, Tony" userId="b1bd46c3-4005-4c25-a278-03e5f4aa714e" providerId="ADAL" clId="{374F2BE5-76F1-4E11-9EBE-9B7962EAA8FB}" dt="2023-03-31T14:04:31.653" v="618" actId="14100"/>
-          <ac:picMkLst>
-            <pc:docMk/>
-            <pc:sldMk cId="1148940179" sldId="277"/>
-            <ac:picMk id="5" creationId="{2BF2E20D-525E-7BCE-C65C-A909185C4EAC}"/>
-          </ac:picMkLst>
-        </pc:picChg>
-        <pc:picChg chg="del">
-          <ac:chgData name="Martin, Tony" userId="b1bd46c3-4005-4c25-a278-03e5f4aa714e" providerId="ADAL" clId="{374F2BE5-76F1-4E11-9EBE-9B7962EAA8FB}" dt="2023-03-31T14:04:27.964" v="617" actId="478"/>
-          <ac:picMkLst>
-            <pc:docMk/>
-            <pc:sldMk cId="1148940179" sldId="277"/>
-            <ac:picMk id="6" creationId="{1ECD2913-F578-8DAF-0ED6-4D73FAD80B86}"/>
-          </ac:picMkLst>
-        </pc:picChg>
-        <pc:picChg chg="add mod">
-          <ac:chgData name="Martin, Tony" userId="b1bd46c3-4005-4c25-a278-03e5f4aa714e" providerId="ADAL" clId="{374F2BE5-76F1-4E11-9EBE-9B7962EAA8FB}" dt="2023-03-31T14:05:12.914" v="623" actId="14100"/>
-          <ac:picMkLst>
-            <pc:docMk/>
-            <pc:sldMk cId="1148940179" sldId="277"/>
-            <ac:picMk id="8" creationId="{752FEE40-BA12-10DF-9211-635C82E077F6}"/>
-          </ac:picMkLst>
-        </pc:picChg>
-        <pc:picChg chg="del">
-          <ac:chgData name="Martin, Tony" userId="b1bd46c3-4005-4c25-a278-03e5f4aa714e" providerId="ADAL" clId="{374F2BE5-76F1-4E11-9EBE-9B7962EAA8FB}" dt="2023-03-31T14:05:09.310" v="622" actId="478"/>
-          <ac:picMkLst>
-            <pc:docMk/>
-            <pc:sldMk cId="1148940179" sldId="277"/>
-            <ac:picMk id="11" creationId="{D3DB2B7A-DD5F-3779-5138-D688BACB2AE4}"/>
-          </ac:picMkLst>
-        </pc:picChg>
-        <pc:picChg chg="add mod">
-          <ac:chgData name="Martin, Tony" userId="b1bd46c3-4005-4c25-a278-03e5f4aa714e" providerId="ADAL" clId="{374F2BE5-76F1-4E11-9EBE-9B7962EAA8FB}" dt="2023-03-31T14:08:29.947" v="639" actId="1076"/>
-          <ac:picMkLst>
-            <pc:docMk/>
-            <pc:sldMk cId="1148940179" sldId="277"/>
-            <ac:picMk id="12" creationId="{03E12A7C-FC16-318B-ED22-6418D33AE424}"/>
-          </ac:picMkLst>
-        </pc:picChg>
-      </pc:sldChg>
-      <pc:sldChg chg="addSp delSp modSp new mod">
-        <pc:chgData name="Martin, Tony" userId="b1bd46c3-4005-4c25-a278-03e5f4aa714e" providerId="ADAL" clId="{374F2BE5-76F1-4E11-9EBE-9B7962EAA8FB}" dt="2023-03-31T14:14:44.891" v="700" actId="1076"/>
-        <pc:sldMkLst>
-          <pc:docMk/>
-          <pc:sldMk cId="3354044968" sldId="278"/>
-        </pc:sldMkLst>
-        <pc:spChg chg="del">
-          <ac:chgData name="Martin, Tony" userId="b1bd46c3-4005-4c25-a278-03e5f4aa714e" providerId="ADAL" clId="{374F2BE5-76F1-4E11-9EBE-9B7962EAA8FB}" dt="2023-03-31T14:09:04.685" v="644" actId="478"/>
-          <ac:spMkLst>
-            <pc:docMk/>
-            <pc:sldMk cId="3354044968" sldId="278"/>
-            <ac:spMk id="2" creationId="{DAF85E16-2057-DCF5-D95C-E769CDB8498A}"/>
-          </ac:spMkLst>
-        </pc:spChg>
-        <pc:spChg chg="del">
-          <ac:chgData name="Martin, Tony" userId="b1bd46c3-4005-4c25-a278-03e5f4aa714e" providerId="ADAL" clId="{374F2BE5-76F1-4E11-9EBE-9B7962EAA8FB}" dt="2023-03-31T14:09:03.303" v="643" actId="478"/>
-          <ac:spMkLst>
-            <pc:docMk/>
-            <pc:sldMk cId="3354044968" sldId="278"/>
-            <ac:spMk id="3" creationId="{49D47281-2562-A17F-75F3-39CAA7BDF775}"/>
-          </ac:spMkLst>
-        </pc:spChg>
-        <pc:picChg chg="add mod">
-          <ac:chgData name="Martin, Tony" userId="b1bd46c3-4005-4c25-a278-03e5f4aa714e" providerId="ADAL" clId="{374F2BE5-76F1-4E11-9EBE-9B7962EAA8FB}" dt="2023-03-31T14:14:32.125" v="696" actId="1076"/>
-          <ac:picMkLst>
-            <pc:docMk/>
-            <pc:sldMk cId="3354044968" sldId="278"/>
-            <ac:picMk id="4" creationId="{D85F2452-6C23-7BC6-A4CA-44FFDBD81118}"/>
-          </ac:picMkLst>
-        </pc:picChg>
-        <pc:picChg chg="add mod">
-          <ac:chgData name="Martin, Tony" userId="b1bd46c3-4005-4c25-a278-03e5f4aa714e" providerId="ADAL" clId="{374F2BE5-76F1-4E11-9EBE-9B7962EAA8FB}" dt="2023-03-31T14:14:32.125" v="696" actId="1076"/>
-          <ac:picMkLst>
-            <pc:docMk/>
-            <pc:sldMk cId="3354044968" sldId="278"/>
-            <ac:picMk id="5" creationId="{011EC9A9-9D28-5353-2CE3-FFC023742DAB}"/>
-          </ac:picMkLst>
-        </pc:picChg>
-        <pc:picChg chg="add mod">
-          <ac:chgData name="Martin, Tony" userId="b1bd46c3-4005-4c25-a278-03e5f4aa714e" providerId="ADAL" clId="{374F2BE5-76F1-4E11-9EBE-9B7962EAA8FB}" dt="2023-03-31T14:14:32.125" v="696" actId="1076"/>
-          <ac:picMkLst>
-            <pc:docMk/>
-            <pc:sldMk cId="3354044968" sldId="278"/>
-            <ac:picMk id="6" creationId="{807B2BFE-79D1-D35D-F1EF-F1E7427C0A12}"/>
-          </ac:picMkLst>
-        </pc:picChg>
-        <pc:picChg chg="add mod">
-          <ac:chgData name="Martin, Tony" userId="b1bd46c3-4005-4c25-a278-03e5f4aa714e" providerId="ADAL" clId="{374F2BE5-76F1-4E11-9EBE-9B7962EAA8FB}" dt="2023-03-31T14:14:32.125" v="696" actId="1076"/>
-          <ac:picMkLst>
-            <pc:docMk/>
-            <pc:sldMk cId="3354044968" sldId="278"/>
-            <ac:picMk id="8" creationId="{5F4B35BC-C7EA-8B49-00C0-39B63D7F52F9}"/>
-          </ac:picMkLst>
-        </pc:picChg>
-        <pc:picChg chg="add mod">
-          <ac:chgData name="Martin, Tony" userId="b1bd46c3-4005-4c25-a278-03e5f4aa714e" providerId="ADAL" clId="{374F2BE5-76F1-4E11-9EBE-9B7962EAA8FB}" dt="2023-03-31T14:14:32.125" v="696" actId="1076"/>
-          <ac:picMkLst>
-            <pc:docMk/>
-            <pc:sldMk cId="3354044968" sldId="278"/>
-            <ac:picMk id="10" creationId="{F8D6DA0C-2471-7F47-3D0E-B004A6DE1F24}"/>
-          </ac:picMkLst>
-        </pc:picChg>
-        <pc:picChg chg="add mod">
-          <ac:chgData name="Martin, Tony" userId="b1bd46c3-4005-4c25-a278-03e5f4aa714e" providerId="ADAL" clId="{374F2BE5-76F1-4E11-9EBE-9B7962EAA8FB}" dt="2023-03-31T14:14:43.134" v="699" actId="1076"/>
-          <ac:picMkLst>
-            <pc:docMk/>
-            <pc:sldMk cId="3354044968" sldId="278"/>
-            <ac:picMk id="12" creationId="{FD886B13-14AA-36AB-9094-28D34AC7BA46}"/>
-          </ac:picMkLst>
-        </pc:picChg>
-        <pc:picChg chg="add mod">
-          <ac:chgData name="Martin, Tony" userId="b1bd46c3-4005-4c25-a278-03e5f4aa714e" providerId="ADAL" clId="{374F2BE5-76F1-4E11-9EBE-9B7962EAA8FB}" dt="2023-03-31T14:14:44.891" v="700" actId="1076"/>
-          <ac:picMkLst>
-            <pc:docMk/>
-            <pc:sldMk cId="3354044968" sldId="278"/>
-            <ac:picMk id="14" creationId="{2EB18372-358C-162B-3B9A-B8A3E30768DA}"/>
-          </ac:picMkLst>
-        </pc:picChg>
-        <pc:picChg chg="add mod">
-          <ac:chgData name="Martin, Tony" userId="b1bd46c3-4005-4c25-a278-03e5f4aa714e" providerId="ADAL" clId="{374F2BE5-76F1-4E11-9EBE-9B7962EAA8FB}" dt="2023-03-31T14:14:32.125" v="696" actId="1076"/>
-          <ac:picMkLst>
-            <pc:docMk/>
-            <pc:sldMk cId="3354044968" sldId="278"/>
-            <ac:picMk id="16" creationId="{038536F9-A7B5-2535-F403-41E00F6E66F0}"/>
-          </ac:picMkLst>
-        </pc:picChg>
-        <pc:picChg chg="add mod">
-          <ac:chgData name="Martin, Tony" userId="b1bd46c3-4005-4c25-a278-03e5f4aa714e" providerId="ADAL" clId="{374F2BE5-76F1-4E11-9EBE-9B7962EAA8FB}" dt="2023-03-31T14:14:32.125" v="696" actId="1076"/>
-          <ac:picMkLst>
-            <pc:docMk/>
-            <pc:sldMk cId="3354044968" sldId="278"/>
-            <ac:picMk id="18" creationId="{29788A66-880F-76AD-5B9E-9AC927BC6581}"/>
-          </ac:picMkLst>
-        </pc:picChg>
-      </pc:sldChg>
-      <pc:sldMasterChg chg="del delSldLayout">
-        <pc:chgData name="Martin, Tony" userId="b1bd46c3-4005-4c25-a278-03e5f4aa714e" providerId="ADAL" clId="{374F2BE5-76F1-4E11-9EBE-9B7962EAA8FB}" dt="2023-03-30T13:48:46.359" v="0" actId="26606"/>
-        <pc:sldMasterMkLst>
-          <pc:docMk/>
-          <pc:sldMasterMk cId="2160597219" sldId="2147483648"/>
-        </pc:sldMasterMkLst>
-        <pc:sldLayoutChg chg="del">
-          <pc:chgData name="Martin, Tony" userId="b1bd46c3-4005-4c25-a278-03e5f4aa714e" providerId="ADAL" clId="{374F2BE5-76F1-4E11-9EBE-9B7962EAA8FB}" dt="2023-03-30T13:48:46.359" v="0" actId="26606"/>
-          <pc:sldLayoutMkLst>
-            <pc:docMk/>
-            <pc:sldMasterMk cId="2160597219" sldId="2147483648"/>
-            <pc:sldLayoutMk cId="3116702663" sldId="2147483649"/>
-          </pc:sldLayoutMkLst>
-        </pc:sldLayoutChg>
-        <pc:sldLayoutChg chg="del">
-          <pc:chgData name="Martin, Tony" userId="b1bd46c3-4005-4c25-a278-03e5f4aa714e" providerId="ADAL" clId="{374F2BE5-76F1-4E11-9EBE-9B7962EAA8FB}" dt="2023-03-30T13:48:46.359" v="0" actId="26606"/>
-          <pc:sldLayoutMkLst>
-            <pc:docMk/>
-            <pc:sldMasterMk cId="2160597219" sldId="2147483648"/>
-            <pc:sldLayoutMk cId="1754167331" sldId="2147483650"/>
-          </pc:sldLayoutMkLst>
-        </pc:sldLayoutChg>
-        <pc:sldLayoutChg chg="del">
-          <pc:chgData name="Martin, Tony" userId="b1bd46c3-4005-4c25-a278-03e5f4aa714e" providerId="ADAL" clId="{374F2BE5-76F1-4E11-9EBE-9B7962EAA8FB}" dt="2023-03-30T13:48:46.359" v="0" actId="26606"/>
-          <pc:sldLayoutMkLst>
-            <pc:docMk/>
-            <pc:sldMasterMk cId="2160597219" sldId="2147483648"/>
-            <pc:sldLayoutMk cId="4056219512" sldId="2147483651"/>
-          </pc:sldLayoutMkLst>
-        </pc:sldLayoutChg>
-        <pc:sldLayoutChg chg="del">
-          <pc:chgData name="Martin, Tony" userId="b1bd46c3-4005-4c25-a278-03e5f4aa714e" providerId="ADAL" clId="{374F2BE5-76F1-4E11-9EBE-9B7962EAA8FB}" dt="2023-03-30T13:48:46.359" v="0" actId="26606"/>
-          <pc:sldLayoutMkLst>
-            <pc:docMk/>
-            <pc:sldMasterMk cId="2160597219" sldId="2147483648"/>
-            <pc:sldLayoutMk cId="763546159" sldId="2147483652"/>
-          </pc:sldLayoutMkLst>
-        </pc:sldLayoutChg>
-        <pc:sldLayoutChg chg="del">
-          <pc:chgData name="Martin, Tony" userId="b1bd46c3-4005-4c25-a278-03e5f4aa714e" providerId="ADAL" clId="{374F2BE5-76F1-4E11-9EBE-9B7962EAA8FB}" dt="2023-03-30T13:48:46.359" v="0" actId="26606"/>
-          <pc:sldLayoutMkLst>
-            <pc:docMk/>
-            <pc:sldMasterMk cId="2160597219" sldId="2147483648"/>
-            <pc:sldLayoutMk cId="2573616877" sldId="2147483653"/>
-          </pc:sldLayoutMkLst>
-        </pc:sldLayoutChg>
-        <pc:sldLayoutChg chg="del">
-          <pc:chgData name="Martin, Tony" userId="b1bd46c3-4005-4c25-a278-03e5f4aa714e" providerId="ADAL" clId="{374F2BE5-76F1-4E11-9EBE-9B7962EAA8FB}" dt="2023-03-30T13:48:46.359" v="0" actId="26606"/>
-          <pc:sldLayoutMkLst>
-            <pc:docMk/>
-            <pc:sldMasterMk cId="2160597219" sldId="2147483648"/>
-            <pc:sldLayoutMk cId="1359451752" sldId="2147483654"/>
-          </pc:sldLayoutMkLst>
-        </pc:sldLayoutChg>
-        <pc:sldLayoutChg chg="del">
-          <pc:chgData name="Martin, Tony" userId="b1bd46c3-4005-4c25-a278-03e5f4aa714e" providerId="ADAL" clId="{374F2BE5-76F1-4E11-9EBE-9B7962EAA8FB}" dt="2023-03-30T13:48:46.359" v="0" actId="26606"/>
-          <pc:sldLayoutMkLst>
-            <pc:docMk/>
-            <pc:sldMasterMk cId="2160597219" sldId="2147483648"/>
-            <pc:sldLayoutMk cId="133089991" sldId="2147483655"/>
-          </pc:sldLayoutMkLst>
-        </pc:sldLayoutChg>
-        <pc:sldLayoutChg chg="del">
-          <pc:chgData name="Martin, Tony" userId="b1bd46c3-4005-4c25-a278-03e5f4aa714e" providerId="ADAL" clId="{374F2BE5-76F1-4E11-9EBE-9B7962EAA8FB}" dt="2023-03-30T13:48:46.359" v="0" actId="26606"/>
-          <pc:sldLayoutMkLst>
-            <pc:docMk/>
-            <pc:sldMasterMk cId="2160597219" sldId="2147483648"/>
-            <pc:sldLayoutMk cId="2836695149" sldId="2147483656"/>
-          </pc:sldLayoutMkLst>
-        </pc:sldLayoutChg>
-        <pc:sldLayoutChg chg="del">
-          <pc:chgData name="Martin, Tony" userId="b1bd46c3-4005-4c25-a278-03e5f4aa714e" providerId="ADAL" clId="{374F2BE5-76F1-4E11-9EBE-9B7962EAA8FB}" dt="2023-03-30T13:48:46.359" v="0" actId="26606"/>
-          <pc:sldLayoutMkLst>
-            <pc:docMk/>
-            <pc:sldMasterMk cId="2160597219" sldId="2147483648"/>
-            <pc:sldLayoutMk cId="1713379291" sldId="2147483657"/>
-          </pc:sldLayoutMkLst>
-        </pc:sldLayoutChg>
-        <pc:sldLayoutChg chg="del">
-          <pc:chgData name="Martin, Tony" userId="b1bd46c3-4005-4c25-a278-03e5f4aa714e" providerId="ADAL" clId="{374F2BE5-76F1-4E11-9EBE-9B7962EAA8FB}" dt="2023-03-30T13:48:46.359" v="0" actId="26606"/>
-          <pc:sldLayoutMkLst>
-            <pc:docMk/>
-            <pc:sldMasterMk cId="2160597219" sldId="2147483648"/>
-            <pc:sldLayoutMk cId="599831737" sldId="2147483658"/>
-          </pc:sldLayoutMkLst>
-        </pc:sldLayoutChg>
-        <pc:sldLayoutChg chg="del">
-          <pc:chgData name="Martin, Tony" userId="b1bd46c3-4005-4c25-a278-03e5f4aa714e" providerId="ADAL" clId="{374F2BE5-76F1-4E11-9EBE-9B7962EAA8FB}" dt="2023-03-30T13:48:46.359" v="0" actId="26606"/>
-          <pc:sldLayoutMkLst>
-            <pc:docMk/>
-            <pc:sldMasterMk cId="2160597219" sldId="2147483648"/>
-            <pc:sldLayoutMk cId="2299409273" sldId="2147483659"/>
-          </pc:sldLayoutMkLst>
-        </pc:sldLayoutChg>
-      </pc:sldMasterChg>
-      <pc:sldMasterChg chg="add addSldLayout">
-        <pc:chgData name="Martin, Tony" userId="b1bd46c3-4005-4c25-a278-03e5f4aa714e" providerId="ADAL" clId="{374F2BE5-76F1-4E11-9EBE-9B7962EAA8FB}" dt="2023-03-30T13:48:46.359" v="0" actId="26606"/>
-        <pc:sldMasterMkLst>
-          <pc:docMk/>
-          <pc:sldMasterMk cId="952230773" sldId="2147483738"/>
-        </pc:sldMasterMkLst>
-        <pc:sldLayoutChg chg="add">
-          <pc:chgData name="Martin, Tony" userId="b1bd46c3-4005-4c25-a278-03e5f4aa714e" providerId="ADAL" clId="{374F2BE5-76F1-4E11-9EBE-9B7962EAA8FB}" dt="2023-03-30T13:48:46.359" v="0" actId="26606"/>
-          <pc:sldLayoutMkLst>
-            <pc:docMk/>
-            <pc:sldMasterMk cId="952230773" sldId="2147483738"/>
-            <pc:sldLayoutMk cId="3728699756" sldId="2147483727"/>
-          </pc:sldLayoutMkLst>
-        </pc:sldLayoutChg>
-        <pc:sldLayoutChg chg="add">
-          <pc:chgData name="Martin, Tony" userId="b1bd46c3-4005-4c25-a278-03e5f4aa714e" providerId="ADAL" clId="{374F2BE5-76F1-4E11-9EBE-9B7962EAA8FB}" dt="2023-03-30T13:48:46.359" v="0" actId="26606"/>
-          <pc:sldLayoutMkLst>
-            <pc:docMk/>
-            <pc:sldMasterMk cId="952230773" sldId="2147483738"/>
-            <pc:sldLayoutMk cId="428251815" sldId="2147483728"/>
-          </pc:sldLayoutMkLst>
-        </pc:sldLayoutChg>
-        <pc:sldLayoutChg chg="add">
-          <pc:chgData name="Martin, Tony" userId="b1bd46c3-4005-4c25-a278-03e5f4aa714e" providerId="ADAL" clId="{374F2BE5-76F1-4E11-9EBE-9B7962EAA8FB}" dt="2023-03-30T13:48:46.359" v="0" actId="26606"/>
-          <pc:sldLayoutMkLst>
-            <pc:docMk/>
-            <pc:sldMasterMk cId="952230773" sldId="2147483738"/>
-            <pc:sldLayoutMk cId="3281254789" sldId="2147483729"/>
-          </pc:sldLayoutMkLst>
-        </pc:sldLayoutChg>
-        <pc:sldLayoutChg chg="add">
-          <pc:chgData name="Martin, Tony" userId="b1bd46c3-4005-4c25-a278-03e5f4aa714e" providerId="ADAL" clId="{374F2BE5-76F1-4E11-9EBE-9B7962EAA8FB}" dt="2023-03-30T13:48:46.359" v="0" actId="26606"/>
-          <pc:sldLayoutMkLst>
-            <pc:docMk/>
-            <pc:sldMasterMk cId="952230773" sldId="2147483738"/>
-            <pc:sldLayoutMk cId="2290375541" sldId="2147483730"/>
-          </pc:sldLayoutMkLst>
-        </pc:sldLayoutChg>
-        <pc:sldLayoutChg chg="add">
-          <pc:chgData name="Martin, Tony" userId="b1bd46c3-4005-4c25-a278-03e5f4aa714e" providerId="ADAL" clId="{374F2BE5-76F1-4E11-9EBE-9B7962EAA8FB}" dt="2023-03-30T13:48:46.359" v="0" actId="26606"/>
-          <pc:sldLayoutMkLst>
-            <pc:docMk/>
-            <pc:sldMasterMk cId="952230773" sldId="2147483738"/>
-            <pc:sldLayoutMk cId="1655376569" sldId="2147483731"/>
-          </pc:sldLayoutMkLst>
-        </pc:sldLayoutChg>
-        <pc:sldLayoutChg chg="add">
-          <pc:chgData name="Martin, Tony" userId="b1bd46c3-4005-4c25-a278-03e5f4aa714e" providerId="ADAL" clId="{374F2BE5-76F1-4E11-9EBE-9B7962EAA8FB}" dt="2023-03-30T13:48:46.359" v="0" actId="26606"/>
-          <pc:sldLayoutMkLst>
-            <pc:docMk/>
-            <pc:sldMasterMk cId="952230773" sldId="2147483738"/>
-            <pc:sldLayoutMk cId="1783789333" sldId="2147483732"/>
-          </pc:sldLayoutMkLst>
-        </pc:sldLayoutChg>
-        <pc:sldLayoutChg chg="add">
-          <pc:chgData name="Martin, Tony" userId="b1bd46c3-4005-4c25-a278-03e5f4aa714e" providerId="ADAL" clId="{374F2BE5-76F1-4E11-9EBE-9B7962EAA8FB}" dt="2023-03-30T13:48:46.359" v="0" actId="26606"/>
-          <pc:sldLayoutMkLst>
-            <pc:docMk/>
-            <pc:sldMasterMk cId="952230773" sldId="2147483738"/>
-            <pc:sldLayoutMk cId="1317719977" sldId="2147483733"/>
-          </pc:sldLayoutMkLst>
-        </pc:sldLayoutChg>
-        <pc:sldLayoutChg chg="add">
-          <pc:chgData name="Martin, Tony" userId="b1bd46c3-4005-4c25-a278-03e5f4aa714e" providerId="ADAL" clId="{374F2BE5-76F1-4E11-9EBE-9B7962EAA8FB}" dt="2023-03-30T13:48:46.359" v="0" actId="26606"/>
-          <pc:sldLayoutMkLst>
-            <pc:docMk/>
-            <pc:sldMasterMk cId="952230773" sldId="2147483738"/>
-            <pc:sldLayoutMk cId="1092493659" sldId="2147483734"/>
-          </pc:sldLayoutMkLst>
-        </pc:sldLayoutChg>
-        <pc:sldLayoutChg chg="add">
-          <pc:chgData name="Martin, Tony" userId="b1bd46c3-4005-4c25-a278-03e5f4aa714e" providerId="ADAL" clId="{374F2BE5-76F1-4E11-9EBE-9B7962EAA8FB}" dt="2023-03-30T13:48:46.359" v="0" actId="26606"/>
-          <pc:sldLayoutMkLst>
-            <pc:docMk/>
-            <pc:sldMasterMk cId="952230773" sldId="2147483738"/>
-            <pc:sldLayoutMk cId="1696583432" sldId="2147483735"/>
-          </pc:sldLayoutMkLst>
-        </pc:sldLayoutChg>
-        <pc:sldLayoutChg chg="add">
-          <pc:chgData name="Martin, Tony" userId="b1bd46c3-4005-4c25-a278-03e5f4aa714e" providerId="ADAL" clId="{374F2BE5-76F1-4E11-9EBE-9B7962EAA8FB}" dt="2023-03-30T13:48:46.359" v="0" actId="26606"/>
-          <pc:sldLayoutMkLst>
-            <pc:docMk/>
-            <pc:sldMasterMk cId="952230773" sldId="2147483738"/>
-            <pc:sldLayoutMk cId="591293285" sldId="2147483736"/>
-          </pc:sldLayoutMkLst>
-        </pc:sldLayoutChg>
-        <pc:sldLayoutChg chg="add">
-          <pc:chgData name="Martin, Tony" userId="b1bd46c3-4005-4c25-a278-03e5f4aa714e" providerId="ADAL" clId="{374F2BE5-76F1-4E11-9EBE-9B7962EAA8FB}" dt="2023-03-30T13:48:46.359" v="0" actId="26606"/>
-          <pc:sldLayoutMkLst>
-            <pc:docMk/>
-            <pc:sldMasterMk cId="952230773" sldId="2147483738"/>
-            <pc:sldLayoutMk cId="2763636680" sldId="2147483737"/>
-          </pc:sldLayoutMkLst>
-        </pc:sldLayoutChg>
-      </pc:sldMasterChg>
-    </pc:docChg>
-  </pc:docChgLst>
-  <pc:docChgLst>
-    <pc:chgData name="Martin, Tony" userId="b1bd46c3-4005-4c25-a278-03e5f4aa714e" providerId="ADAL" clId="{00EE004F-7DFB-D04D-A137-C4513362CFD9}"/>
-    <pc:docChg chg="addSld modSld sldOrd">
-      <pc:chgData name="Martin, Tony" userId="b1bd46c3-4005-4c25-a278-03e5f4aa714e" providerId="ADAL" clId="{00EE004F-7DFB-D04D-A137-C4513362CFD9}" dt="2023-03-30T13:55:38.530" v="47" actId="20577"/>
-      <pc:docMkLst>
-        <pc:docMk/>
-      </pc:docMkLst>
-      <pc:sldChg chg="modSp">
-        <pc:chgData name="Martin, Tony" userId="b1bd46c3-4005-4c25-a278-03e5f4aa714e" providerId="ADAL" clId="{00EE004F-7DFB-D04D-A137-C4513362CFD9}" dt="2023-03-30T13:55:09.191" v="12" actId="1076"/>
-        <pc:sldMkLst>
-          <pc:docMk/>
-          <pc:sldMk cId="3127641343" sldId="257"/>
-        </pc:sldMkLst>
-        <pc:spChg chg="mod">
-          <ac:chgData name="Martin, Tony" userId="b1bd46c3-4005-4c25-a278-03e5f4aa714e" providerId="ADAL" clId="{00EE004F-7DFB-D04D-A137-C4513362CFD9}" dt="2023-03-30T13:55:07.972" v="11" actId="20577"/>
-          <ac:spMkLst>
-            <pc:docMk/>
-            <pc:sldMk cId="3127641343" sldId="257"/>
-            <ac:spMk id="2" creationId="{556A5D17-3788-79FB-8877-A35F46FEC1C3}"/>
-          </ac:spMkLst>
-        </pc:spChg>
-        <pc:spChg chg="mod">
-          <ac:chgData name="Martin, Tony" userId="b1bd46c3-4005-4c25-a278-03e5f4aa714e" providerId="ADAL" clId="{00EE004F-7DFB-D04D-A137-C4513362CFD9}" dt="2023-03-30T13:55:09.191" v="12" actId="1076"/>
-          <ac:spMkLst>
-            <pc:docMk/>
-            <pc:sldMk cId="3127641343" sldId="257"/>
-            <ac:spMk id="3" creationId="{7FE39BC9-954B-70C9-55B8-CA3DD6F2DA77}"/>
-          </ac:spMkLst>
-        </pc:spChg>
-      </pc:sldChg>
-      <pc:sldChg chg="modSp new ord">
-        <pc:chgData name="Martin, Tony" userId="b1bd46c3-4005-4c25-a278-03e5f4aa714e" providerId="ADAL" clId="{00EE004F-7DFB-D04D-A137-C4513362CFD9}" dt="2023-03-30T13:55:38.530" v="47" actId="20577"/>
-        <pc:sldMkLst>
-          <pc:docMk/>
-          <pc:sldMk cId="1716521257" sldId="259"/>
-        </pc:sldMkLst>
-        <pc:spChg chg="mod">
-          <ac:chgData name="Martin, Tony" userId="b1bd46c3-4005-4c25-a278-03e5f4aa714e" providerId="ADAL" clId="{00EE004F-7DFB-D04D-A137-C4513362CFD9}" dt="2023-03-30T13:55:38.530" v="47" actId="20577"/>
-          <ac:spMkLst>
-            <pc:docMk/>
-            <pc:sldMk cId="1716521257" sldId="259"/>
-            <ac:spMk id="2" creationId="{C0167D60-1C62-A7DA-3853-0E8694CC6AE8}"/>
-          </ac:spMkLst>
-        </pc:spChg>
-      </pc:sldChg>
-    </pc:docChg>
-  </pc:docChgLst>
-  <pc:docChgLst>
     <pc:chgData name="Guest User" userId="S::urn:spo:anon#3205668be4588c2972589c1e47289ecaadf7add4689612247353337f1030b440::" providerId="AD" clId="Web-{E2782915-9467-6BBF-C91F-3B13DEE7437E}"/>
     <pc:docChg chg="addSld modSld">
       <pc:chgData name="Guest User" userId="S::urn:spo:anon#3205668be4588c2972589c1e47289ecaadf7add4689612247353337f1030b440::" providerId="AD" clId="Web-{E2782915-9467-6BBF-C91F-3B13DEE7437E}" dt="2023-03-31T14:10:16.736" v="36" actId="20577"/>
@@ -990,26 +223,74 @@
     </pc:docChg>
   </pc:docChgLst>
   <pc:docChgLst>
-    <pc:chgData name="Guest User" userId="S::urn:spo:anon#3205668be4588c2972589c1e47289ecaadf7add4689612247353337f1030b440::" providerId="AD" clId="Web-{A0D811FA-855A-4C7C-A2A5-016597715ACC}"/>
-    <pc:docChg chg="modSld">
-      <pc:chgData name="Guest User" userId="S::urn:spo:anon#3205668be4588c2972589c1e47289ecaadf7add4689612247353337f1030b440::" providerId="AD" clId="Web-{A0D811FA-855A-4C7C-A2A5-016597715ACC}" dt="2023-03-30T13:54:03.030" v="9" actId="20577"/>
+    <pc:chgData name="Guest User" userId="S::urn:spo:anon#3205668be4588c2972589c1e47289ecaadf7add4689612247353337f1030b440::" providerId="AD" clId="Web-{D9E834AE-4805-49D3-4CBD-824FDD8F2E2A}"/>
+    <pc:docChg chg="addSld modSld">
+      <pc:chgData name="Guest User" userId="S::urn:spo:anon#3205668be4588c2972589c1e47289ecaadf7add4689612247353337f1030b440::" providerId="AD" clId="Web-{D9E834AE-4805-49D3-4CBD-824FDD8F2E2A}" dt="2023-03-30T14:56:05.351" v="99" actId="20577"/>
       <pc:docMkLst>
         <pc:docMk/>
       </pc:docMkLst>
-      <pc:sldChg chg="modSp">
-        <pc:chgData name="Guest User" userId="S::urn:spo:anon#3205668be4588c2972589c1e47289ecaadf7add4689612247353337f1030b440::" providerId="AD" clId="Web-{A0D811FA-855A-4C7C-A2A5-016597715ACC}" dt="2023-03-30T13:54:03.030" v="9" actId="20577"/>
+      <pc:sldChg chg="addSp delSp modSp new mod setBg">
+        <pc:chgData name="Guest User" userId="S::urn:spo:anon#3205668be4588c2972589c1e47289ecaadf7add4689612247353337f1030b440::" providerId="AD" clId="Web-{D9E834AE-4805-49D3-4CBD-824FDD8F2E2A}" dt="2023-03-30T14:56:05.351" v="99" actId="20577"/>
         <pc:sldMkLst>
           <pc:docMk/>
-          <pc:sldMk cId="2811935155" sldId="256"/>
+          <pc:sldMk cId="2123093239" sldId="258"/>
         </pc:sldMkLst>
         <pc:spChg chg="mod">
-          <ac:chgData name="Guest User" userId="S::urn:spo:anon#3205668be4588c2972589c1e47289ecaadf7add4689612247353337f1030b440::" providerId="AD" clId="Web-{A0D811FA-855A-4C7C-A2A5-016597715ACC}" dt="2023-03-30T13:54:03.030" v="9" actId="20577"/>
+          <ac:chgData name="Guest User" userId="S::urn:spo:anon#3205668be4588c2972589c1e47289ecaadf7add4689612247353337f1030b440::" providerId="AD" clId="Web-{D9E834AE-4805-49D3-4CBD-824FDD8F2E2A}" dt="2023-03-30T14:55:29.632" v="48"/>
           <ac:spMkLst>
             <pc:docMk/>
-            <pc:sldMk cId="2811935155" sldId="256"/>
-            <ac:spMk id="3" creationId="{382090E8-10EF-BA80-282F-BD3DF10E29C3}"/>
+            <pc:sldMk cId="2123093239" sldId="258"/>
+            <ac:spMk id="2" creationId="{F226BFF5-2E85-3AFE-73C9-BE7D526832EE}"/>
           </ac:spMkLst>
         </pc:spChg>
+        <pc:spChg chg="del">
+          <ac:chgData name="Guest User" userId="S::urn:spo:anon#3205668be4588c2972589c1e47289ecaadf7add4689612247353337f1030b440::" providerId="AD" clId="Web-{D9E834AE-4805-49D3-4CBD-824FDD8F2E2A}" dt="2023-03-30T14:55:00.974" v="42"/>
+          <ac:spMkLst>
+            <pc:docMk/>
+            <pc:sldMk cId="2123093239" sldId="258"/>
+            <ac:spMk id="3" creationId="{6B8FB04B-F19B-0C95-12AE-5D2217E5CB8D}"/>
+          </ac:spMkLst>
+        </pc:spChg>
+        <pc:spChg chg="add mod">
+          <ac:chgData name="Guest User" userId="S::urn:spo:anon#3205668be4588c2972589c1e47289ecaadf7add4689612247353337f1030b440::" providerId="AD" clId="Web-{D9E834AE-4805-49D3-4CBD-824FDD8F2E2A}" dt="2023-03-30T14:56:05.351" v="99" actId="20577"/>
+          <ac:spMkLst>
+            <pc:docMk/>
+            <pc:sldMk cId="2123093239" sldId="258"/>
+            <ac:spMk id="8" creationId="{FF0542F9-D859-157C-1D6C-1928E73F55FA}"/>
+          </ac:spMkLst>
+        </pc:spChg>
+        <pc:spChg chg="add">
+          <ac:chgData name="Guest User" userId="S::urn:spo:anon#3205668be4588c2972589c1e47289ecaadf7add4689612247353337f1030b440::" providerId="AD" clId="Web-{D9E834AE-4805-49D3-4CBD-824FDD8F2E2A}" dt="2023-03-30T14:55:29.632" v="48"/>
+          <ac:spMkLst>
+            <pc:docMk/>
+            <pc:sldMk cId="2123093239" sldId="258"/>
+            <ac:spMk id="11" creationId="{7FF47CB7-972F-479F-A36D-9E72D26EC8DA}"/>
+          </ac:spMkLst>
+        </pc:spChg>
+        <pc:spChg chg="add">
+          <ac:chgData name="Guest User" userId="S::urn:spo:anon#3205668be4588c2972589c1e47289ecaadf7add4689612247353337f1030b440::" providerId="AD" clId="Web-{D9E834AE-4805-49D3-4CBD-824FDD8F2E2A}" dt="2023-03-30T14:55:29.632" v="48"/>
+          <ac:spMkLst>
+            <pc:docMk/>
+            <pc:sldMk cId="2123093239" sldId="258"/>
+            <ac:spMk id="13" creationId="{0D153B68-5844-490D-8E67-F616D6D721CA}"/>
+          </ac:spMkLst>
+        </pc:spChg>
+        <pc:spChg chg="add">
+          <ac:chgData name="Guest User" userId="S::urn:spo:anon#3205668be4588c2972589c1e47289ecaadf7add4689612247353337f1030b440::" providerId="AD" clId="Web-{D9E834AE-4805-49D3-4CBD-824FDD8F2E2A}" dt="2023-03-30T14:55:29.632" v="48"/>
+          <ac:spMkLst>
+            <pc:docMk/>
+            <pc:sldMk cId="2123093239" sldId="258"/>
+            <ac:spMk id="15" creationId="{C64E267B-3F5A-4357-9E7F-C5FBE5D3B1E0}"/>
+          </ac:spMkLst>
+        </pc:spChg>
+        <pc:picChg chg="add mod ord">
+          <ac:chgData name="Guest User" userId="S::urn:spo:anon#3205668be4588c2972589c1e47289ecaadf7add4689612247353337f1030b440::" providerId="AD" clId="Web-{D9E834AE-4805-49D3-4CBD-824FDD8F2E2A}" dt="2023-03-30T14:55:29.632" v="48"/>
+          <ac:picMkLst>
+            <pc:docMk/>
+            <pc:sldMk cId="2123093239" sldId="258"/>
+            <ac:picMk id="4" creationId="{C3C7DED4-607F-CF70-0500-3BDD707F8670}"/>
+          </ac:picMkLst>
+        </pc:picChg>
       </pc:sldChg>
     </pc:docChg>
   </pc:docChgLst>
@@ -1840,74 +1121,793 @@
     </pc:docChg>
   </pc:docChgLst>
   <pc:docChgLst>
-    <pc:chgData name="Guest User" userId="S::urn:spo:anon#3205668be4588c2972589c1e47289ecaadf7add4689612247353337f1030b440::" providerId="AD" clId="Web-{D9E834AE-4805-49D3-4CBD-824FDD8F2E2A}"/>
-    <pc:docChg chg="addSld modSld">
-      <pc:chgData name="Guest User" userId="S::urn:spo:anon#3205668be4588c2972589c1e47289ecaadf7add4689612247353337f1030b440::" providerId="AD" clId="Web-{D9E834AE-4805-49D3-4CBD-824FDD8F2E2A}" dt="2023-03-30T14:56:05.351" v="99" actId="20577"/>
+    <pc:chgData name="Guest User" userId="S::urn:spo:anon#3205668be4588c2972589c1e47289ecaadf7add4689612247353337f1030b440::" providerId="AD" clId="Web-{A0D811FA-855A-4C7C-A2A5-016597715ACC}"/>
+    <pc:docChg chg="modSld">
+      <pc:chgData name="Guest User" userId="S::urn:spo:anon#3205668be4588c2972589c1e47289ecaadf7add4689612247353337f1030b440::" providerId="AD" clId="Web-{A0D811FA-855A-4C7C-A2A5-016597715ACC}" dt="2023-03-30T13:54:03.030" v="9" actId="20577"/>
       <pc:docMkLst>
         <pc:docMk/>
       </pc:docMkLst>
+      <pc:sldChg chg="modSp">
+        <pc:chgData name="Guest User" userId="S::urn:spo:anon#3205668be4588c2972589c1e47289ecaadf7add4689612247353337f1030b440::" providerId="AD" clId="Web-{A0D811FA-855A-4C7C-A2A5-016597715ACC}" dt="2023-03-30T13:54:03.030" v="9" actId="20577"/>
+        <pc:sldMkLst>
+          <pc:docMk/>
+          <pc:sldMk cId="2811935155" sldId="256"/>
+        </pc:sldMkLst>
+        <pc:spChg chg="mod">
+          <ac:chgData name="Guest User" userId="S::urn:spo:anon#3205668be4588c2972589c1e47289ecaadf7add4689612247353337f1030b440::" providerId="AD" clId="Web-{A0D811FA-855A-4C7C-A2A5-016597715ACC}" dt="2023-03-30T13:54:03.030" v="9" actId="20577"/>
+          <ac:spMkLst>
+            <pc:docMk/>
+            <pc:sldMk cId="2811935155" sldId="256"/>
+            <ac:spMk id="3" creationId="{382090E8-10EF-BA80-282F-BD3DF10E29C3}"/>
+          </ac:spMkLst>
+        </pc:spChg>
+      </pc:sldChg>
+    </pc:docChg>
+  </pc:docChgLst>
+  <pc:docChgLst>
+    <pc:chgData name="Martin, Tony" userId="b1bd46c3-4005-4c25-a278-03e5f4aa714e" providerId="ADAL" clId="{374F2BE5-76F1-4E11-9EBE-9B7962EAA8FB}"/>
+    <pc:docChg chg="undo custSel addSld modSld addMainMaster delMainMaster">
+      <pc:chgData name="Martin, Tony" userId="b1bd46c3-4005-4c25-a278-03e5f4aa714e" providerId="ADAL" clId="{374F2BE5-76F1-4E11-9EBE-9B7962EAA8FB}" dt="2023-03-31T14:14:44.891" v="700" actId="1076"/>
+      <pc:docMkLst>
+        <pc:docMk/>
+      </pc:docMkLst>
+      <pc:sldChg chg="addSp modSp mod setBg modClrScheme chgLayout">
+        <pc:chgData name="Martin, Tony" userId="b1bd46c3-4005-4c25-a278-03e5f4aa714e" providerId="ADAL" clId="{374F2BE5-76F1-4E11-9EBE-9B7962EAA8FB}" dt="2023-03-30T13:51:10.917" v="49" actId="27636"/>
+        <pc:sldMkLst>
+          <pc:docMk/>
+          <pc:sldMk cId="2811935155" sldId="256"/>
+        </pc:sldMkLst>
+        <pc:spChg chg="mod">
+          <ac:chgData name="Martin, Tony" userId="b1bd46c3-4005-4c25-a278-03e5f4aa714e" providerId="ADAL" clId="{374F2BE5-76F1-4E11-9EBE-9B7962EAA8FB}" dt="2023-03-30T13:48:46.359" v="0" actId="26606"/>
+          <ac:spMkLst>
+            <pc:docMk/>
+            <pc:sldMk cId="2811935155" sldId="256"/>
+            <ac:spMk id="2" creationId="{EBD8D630-2D33-9C42-26B9-6B0FDF6769FB}"/>
+          </ac:spMkLst>
+        </pc:spChg>
+        <pc:spChg chg="mod">
+          <ac:chgData name="Martin, Tony" userId="b1bd46c3-4005-4c25-a278-03e5f4aa714e" providerId="ADAL" clId="{374F2BE5-76F1-4E11-9EBE-9B7962EAA8FB}" dt="2023-03-30T13:51:10.917" v="49" actId="27636"/>
+          <ac:spMkLst>
+            <pc:docMk/>
+            <pc:sldMk cId="2811935155" sldId="256"/>
+            <ac:spMk id="3" creationId="{382090E8-10EF-BA80-282F-BD3DF10E29C3}"/>
+          </ac:spMkLst>
+        </pc:spChg>
+        <pc:spChg chg="add">
+          <ac:chgData name="Martin, Tony" userId="b1bd46c3-4005-4c25-a278-03e5f4aa714e" providerId="ADAL" clId="{374F2BE5-76F1-4E11-9EBE-9B7962EAA8FB}" dt="2023-03-30T13:48:46.359" v="0" actId="26606"/>
+          <ac:spMkLst>
+            <pc:docMk/>
+            <pc:sldMk cId="2811935155" sldId="256"/>
+            <ac:spMk id="9" creationId="{7DA3C418-758E-4180-A5D0-8655D6804587}"/>
+          </ac:spMkLst>
+        </pc:spChg>
+        <pc:spChg chg="add">
+          <ac:chgData name="Martin, Tony" userId="b1bd46c3-4005-4c25-a278-03e5f4aa714e" providerId="ADAL" clId="{374F2BE5-76F1-4E11-9EBE-9B7962EAA8FB}" dt="2023-03-30T13:48:46.359" v="0" actId="26606"/>
+          <ac:spMkLst>
+            <pc:docMk/>
+            <pc:sldMk cId="2811935155" sldId="256"/>
+            <ac:spMk id="11" creationId="{28C8EF06-5EC3-4883-AFAF-D74FF46550FB}"/>
+          </ac:spMkLst>
+        </pc:spChg>
+        <pc:picChg chg="add mod">
+          <ac:chgData name="Martin, Tony" userId="b1bd46c3-4005-4c25-a278-03e5f4aa714e" providerId="ADAL" clId="{374F2BE5-76F1-4E11-9EBE-9B7962EAA8FB}" dt="2023-03-30T13:49:23.581" v="1" actId="27614"/>
+          <ac:picMkLst>
+            <pc:docMk/>
+            <pc:sldMk cId="2811935155" sldId="256"/>
+            <ac:picMk id="4" creationId="{AABEB4FB-A493-C5CB-AE8B-0FF8F8CEFDCD}"/>
+          </ac:picMkLst>
+        </pc:picChg>
+      </pc:sldChg>
       <pc:sldChg chg="addSp delSp modSp new mod setBg">
-        <pc:chgData name="Guest User" userId="S::urn:spo:anon#3205668be4588c2972589c1e47289ecaadf7add4689612247353337f1030b440::" providerId="AD" clId="Web-{D9E834AE-4805-49D3-4CBD-824FDD8F2E2A}" dt="2023-03-30T14:56:05.351" v="99" actId="20577"/>
+        <pc:chgData name="Martin, Tony" userId="b1bd46c3-4005-4c25-a278-03e5f4aa714e" providerId="ADAL" clId="{374F2BE5-76F1-4E11-9EBE-9B7962EAA8FB}" dt="2023-03-31T10:23:40.235" v="610" actId="20577"/>
+        <pc:sldMkLst>
+          <pc:docMk/>
+          <pc:sldMk cId="3127641343" sldId="257"/>
+        </pc:sldMkLst>
+        <pc:spChg chg="mod">
+          <ac:chgData name="Martin, Tony" userId="b1bd46c3-4005-4c25-a278-03e5f4aa714e" providerId="ADAL" clId="{374F2BE5-76F1-4E11-9EBE-9B7962EAA8FB}" dt="2023-03-31T10:20:13.911" v="497" actId="1037"/>
+          <ac:spMkLst>
+            <pc:docMk/>
+            <pc:sldMk cId="3127641343" sldId="257"/>
+            <ac:spMk id="2" creationId="{556A5D17-3788-79FB-8877-A35F46FEC1C3}"/>
+          </ac:spMkLst>
+        </pc:spChg>
+        <pc:spChg chg="mod ord">
+          <ac:chgData name="Martin, Tony" userId="b1bd46c3-4005-4c25-a278-03e5f4aa714e" providerId="ADAL" clId="{374F2BE5-76F1-4E11-9EBE-9B7962EAA8FB}" dt="2023-03-31T10:23:40.235" v="610" actId="20577"/>
+          <ac:spMkLst>
+            <pc:docMk/>
+            <pc:sldMk cId="3127641343" sldId="257"/>
+            <ac:spMk id="3" creationId="{7FE39BC9-954B-70C9-55B8-CA3DD6F2DA77}"/>
+          </ac:spMkLst>
+        </pc:spChg>
+        <pc:spChg chg="add del">
+          <ac:chgData name="Martin, Tony" userId="b1bd46c3-4005-4c25-a278-03e5f4aa714e" providerId="ADAL" clId="{374F2BE5-76F1-4E11-9EBE-9B7962EAA8FB}" dt="2023-03-31T09:47:38.544" v="55" actId="26606"/>
+          <ac:spMkLst>
+            <pc:docMk/>
+            <pc:sldMk cId="3127641343" sldId="257"/>
+            <ac:spMk id="12" creationId="{DD68B093-D5D0-413E-B63F-4E732B9D0FE7}"/>
+          </ac:spMkLst>
+        </pc:spChg>
+        <pc:spChg chg="add del">
+          <ac:chgData name="Martin, Tony" userId="b1bd46c3-4005-4c25-a278-03e5f4aa714e" providerId="ADAL" clId="{374F2BE5-76F1-4E11-9EBE-9B7962EAA8FB}" dt="2023-03-31T09:47:38.544" v="55" actId="26606"/>
+          <ac:spMkLst>
+            <pc:docMk/>
+            <pc:sldMk cId="3127641343" sldId="257"/>
+            <ac:spMk id="14" creationId="{AD476645-8D91-4AA1-99AA-A41FB38973AC}"/>
+          </ac:spMkLst>
+        </pc:spChg>
+        <pc:spChg chg="add del">
+          <ac:chgData name="Martin, Tony" userId="b1bd46c3-4005-4c25-a278-03e5f4aa714e" providerId="ADAL" clId="{374F2BE5-76F1-4E11-9EBE-9B7962EAA8FB}" dt="2023-03-31T09:48:03.841" v="62" actId="26606"/>
+          <ac:spMkLst>
+            <pc:docMk/>
+            <pc:sldMk cId="3127641343" sldId="257"/>
+            <ac:spMk id="16" creationId="{1BBFDD63-AD5F-4E42-979B-2FBDE3450982}"/>
+          </ac:spMkLst>
+        </pc:spChg>
+        <pc:spChg chg="add del">
+          <ac:chgData name="Martin, Tony" userId="b1bd46c3-4005-4c25-a278-03e5f4aa714e" providerId="ADAL" clId="{374F2BE5-76F1-4E11-9EBE-9B7962EAA8FB}" dt="2023-03-31T09:48:03.841" v="62" actId="26606"/>
+          <ac:spMkLst>
+            <pc:docMk/>
+            <pc:sldMk cId="3127641343" sldId="257"/>
+            <ac:spMk id="17" creationId="{31AA1E1C-DA67-488F-A983-F3ABD792C3BE}"/>
+          </ac:spMkLst>
+        </pc:spChg>
+        <pc:spChg chg="add del">
+          <ac:chgData name="Martin, Tony" userId="b1bd46c3-4005-4c25-a278-03e5f4aa714e" providerId="ADAL" clId="{374F2BE5-76F1-4E11-9EBE-9B7962EAA8FB}" dt="2023-03-31T09:48:03.841" v="62" actId="26606"/>
+          <ac:spMkLst>
+            <pc:docMk/>
+            <pc:sldMk cId="3127641343" sldId="257"/>
+            <ac:spMk id="18" creationId="{AABDB02C-700D-4121-B1D1-CCB58F4BE5E0}"/>
+          </ac:spMkLst>
+        </pc:spChg>
+        <pc:spChg chg="add del">
+          <ac:chgData name="Martin, Tony" userId="b1bd46c3-4005-4c25-a278-03e5f4aa714e" providerId="ADAL" clId="{374F2BE5-76F1-4E11-9EBE-9B7962EAA8FB}" dt="2023-03-31T09:48:03.841" v="62" actId="26606"/>
+          <ac:spMkLst>
+            <pc:docMk/>
+            <pc:sldMk cId="3127641343" sldId="257"/>
+            <ac:spMk id="19" creationId="{DC46DA5A-CECD-42F0-A57E-8D5BAE36270E}"/>
+          </ac:spMkLst>
+        </pc:spChg>
+        <pc:spChg chg="add del">
+          <ac:chgData name="Martin, Tony" userId="b1bd46c3-4005-4c25-a278-03e5f4aa714e" providerId="ADAL" clId="{374F2BE5-76F1-4E11-9EBE-9B7962EAA8FB}" dt="2023-03-31T09:48:03.827" v="61" actId="26606"/>
+          <ac:spMkLst>
+            <pc:docMk/>
+            <pc:sldMk cId="3127641343" sldId="257"/>
+            <ac:spMk id="24" creationId="{05921802-0622-4962-A3B3-3482F4370DA8}"/>
+          </ac:spMkLst>
+        </pc:spChg>
+        <pc:spChg chg="add del">
+          <ac:chgData name="Martin, Tony" userId="b1bd46c3-4005-4c25-a278-03e5f4aa714e" providerId="ADAL" clId="{374F2BE5-76F1-4E11-9EBE-9B7962EAA8FB}" dt="2023-03-31T09:48:03.827" v="61" actId="26606"/>
+          <ac:spMkLst>
+            <pc:docMk/>
+            <pc:sldMk cId="3127641343" sldId="257"/>
+            <ac:spMk id="26" creationId="{1B1F4A36-746F-4D35-8BAB-02B98F2B8B87}"/>
+          </ac:spMkLst>
+        </pc:spChg>
+        <pc:spChg chg="add">
+          <ac:chgData name="Martin, Tony" userId="b1bd46c3-4005-4c25-a278-03e5f4aa714e" providerId="ADAL" clId="{374F2BE5-76F1-4E11-9EBE-9B7962EAA8FB}" dt="2023-03-31T09:48:03.841" v="62" actId="26606"/>
+          <ac:spMkLst>
+            <pc:docMk/>
+            <pc:sldMk cId="3127641343" sldId="257"/>
+            <ac:spMk id="28" creationId="{DD68B093-D5D0-413E-B63F-4E732B9D0FE7}"/>
+          </ac:spMkLst>
+        </pc:spChg>
+        <pc:spChg chg="add">
+          <ac:chgData name="Martin, Tony" userId="b1bd46c3-4005-4c25-a278-03e5f4aa714e" providerId="ADAL" clId="{374F2BE5-76F1-4E11-9EBE-9B7962EAA8FB}" dt="2023-03-31T09:48:03.841" v="62" actId="26606"/>
+          <ac:spMkLst>
+            <pc:docMk/>
+            <pc:sldMk cId="3127641343" sldId="257"/>
+            <ac:spMk id="29" creationId="{AD476645-8D91-4AA1-99AA-A41FB38973AC}"/>
+          </ac:spMkLst>
+        </pc:spChg>
+        <pc:picChg chg="add mod">
+          <ac:chgData name="Martin, Tony" userId="b1bd46c3-4005-4c25-a278-03e5f4aa714e" providerId="ADAL" clId="{374F2BE5-76F1-4E11-9EBE-9B7962EAA8FB}" dt="2023-03-31T09:49:00.331" v="70" actId="1076"/>
+          <ac:picMkLst>
+            <pc:docMk/>
+            <pc:sldMk cId="3127641343" sldId="257"/>
+            <ac:picMk id="5" creationId="{78B61DF9-79F5-BF47-7964-8E62BEA5A26F}"/>
+          </ac:picMkLst>
+        </pc:picChg>
+        <pc:picChg chg="add mod">
+          <ac:chgData name="Martin, Tony" userId="b1bd46c3-4005-4c25-a278-03e5f4aa714e" providerId="ADAL" clId="{374F2BE5-76F1-4E11-9EBE-9B7962EAA8FB}" dt="2023-03-31T09:49:02.588" v="71" actId="1076"/>
+          <ac:picMkLst>
+            <pc:docMk/>
+            <pc:sldMk cId="3127641343" sldId="257"/>
+            <ac:picMk id="7" creationId="{DB026666-7945-33D7-A618-0698C6C54254}"/>
+          </ac:picMkLst>
+        </pc:picChg>
+        <pc:picChg chg="add mod">
+          <ac:chgData name="Martin, Tony" userId="b1bd46c3-4005-4c25-a278-03e5f4aa714e" providerId="ADAL" clId="{374F2BE5-76F1-4E11-9EBE-9B7962EAA8FB}" dt="2023-03-31T10:21:16.213" v="527" actId="1076"/>
+          <ac:picMkLst>
+            <pc:docMk/>
+            <pc:sldMk cId="3127641343" sldId="257"/>
+            <ac:picMk id="9" creationId="{04533963-E037-D2DA-EC5D-C31A7B960631}"/>
+          </ac:picMkLst>
+        </pc:picChg>
+      </pc:sldChg>
+      <pc:sldChg chg="addSp delSp modSp add mod">
+        <pc:chgData name="Martin, Tony" userId="b1bd46c3-4005-4c25-a278-03e5f4aa714e" providerId="ADAL" clId="{374F2BE5-76F1-4E11-9EBE-9B7962EAA8FB}" dt="2023-03-31T10:20:28.423" v="501" actId="1037"/>
+        <pc:sldMkLst>
+          <pc:docMk/>
+          <pc:sldMk cId="3357121471" sldId="274"/>
+        </pc:sldMkLst>
+        <pc:spChg chg="mod">
+          <ac:chgData name="Martin, Tony" userId="b1bd46c3-4005-4c25-a278-03e5f4aa714e" providerId="ADAL" clId="{374F2BE5-76F1-4E11-9EBE-9B7962EAA8FB}" dt="2023-03-31T10:20:28.423" v="501" actId="1037"/>
+          <ac:spMkLst>
+            <pc:docMk/>
+            <pc:sldMk cId="3357121471" sldId="274"/>
+            <ac:spMk id="2" creationId="{556A5D17-3788-79FB-8877-A35F46FEC1C3}"/>
+          </ac:spMkLst>
+        </pc:spChg>
+        <pc:spChg chg="mod">
+          <ac:chgData name="Martin, Tony" userId="b1bd46c3-4005-4c25-a278-03e5f4aa714e" providerId="ADAL" clId="{374F2BE5-76F1-4E11-9EBE-9B7962EAA8FB}" dt="2023-03-31T10:18:05.438" v="471" actId="20577"/>
+          <ac:spMkLst>
+            <pc:docMk/>
+            <pc:sldMk cId="3357121471" sldId="274"/>
+            <ac:spMk id="3" creationId="{7FE39BC9-954B-70C9-55B8-CA3DD6F2DA77}"/>
+          </ac:spMkLst>
+        </pc:spChg>
+        <pc:picChg chg="del">
+          <ac:chgData name="Martin, Tony" userId="b1bd46c3-4005-4c25-a278-03e5f4aa714e" providerId="ADAL" clId="{374F2BE5-76F1-4E11-9EBE-9B7962EAA8FB}" dt="2023-03-31T10:05:52.560" v="100" actId="478"/>
+          <ac:picMkLst>
+            <pc:docMk/>
+            <pc:sldMk cId="3357121471" sldId="274"/>
+            <ac:picMk id="5" creationId="{78B61DF9-79F5-BF47-7964-8E62BEA5A26F}"/>
+          </ac:picMkLst>
+        </pc:picChg>
+        <pc:picChg chg="add mod">
+          <ac:chgData name="Martin, Tony" userId="b1bd46c3-4005-4c25-a278-03e5f4aa714e" providerId="ADAL" clId="{374F2BE5-76F1-4E11-9EBE-9B7962EAA8FB}" dt="2023-03-31T10:06:02.192" v="102" actId="14100"/>
+          <ac:picMkLst>
+            <pc:docMk/>
+            <pc:sldMk cId="3357121471" sldId="274"/>
+            <ac:picMk id="6" creationId="{1ECD2913-F578-8DAF-0ED6-4D73FAD80B86}"/>
+          </ac:picMkLst>
+        </pc:picChg>
+        <pc:picChg chg="add del">
+          <ac:chgData name="Martin, Tony" userId="b1bd46c3-4005-4c25-a278-03e5f4aa714e" providerId="ADAL" clId="{374F2BE5-76F1-4E11-9EBE-9B7962EAA8FB}" dt="2023-03-31T10:07:11.754" v="112" actId="478"/>
+          <ac:picMkLst>
+            <pc:docMk/>
+            <pc:sldMk cId="3357121471" sldId="274"/>
+            <ac:picMk id="7" creationId="{DB026666-7945-33D7-A618-0698C6C54254}"/>
+          </ac:picMkLst>
+        </pc:picChg>
+        <pc:picChg chg="add del mod">
+          <ac:chgData name="Martin, Tony" userId="b1bd46c3-4005-4c25-a278-03e5f4aa714e" providerId="ADAL" clId="{374F2BE5-76F1-4E11-9EBE-9B7962EAA8FB}" dt="2023-03-31T10:07:02.335" v="107" actId="22"/>
+          <ac:picMkLst>
+            <pc:docMk/>
+            <pc:sldMk cId="3357121471" sldId="274"/>
+            <ac:picMk id="9" creationId="{2E37D9CA-02FD-07A0-6C94-B03D58ED5C44}"/>
+          </ac:picMkLst>
+        </pc:picChg>
+        <pc:picChg chg="add mod">
+          <ac:chgData name="Martin, Tony" userId="b1bd46c3-4005-4c25-a278-03e5f4aa714e" providerId="ADAL" clId="{374F2BE5-76F1-4E11-9EBE-9B7962EAA8FB}" dt="2023-03-31T10:07:14.979" v="113" actId="14100"/>
+          <ac:picMkLst>
+            <pc:docMk/>
+            <pc:sldMk cId="3357121471" sldId="274"/>
+            <ac:picMk id="11" creationId="{D3DB2B7A-DD5F-3779-5138-D688BACB2AE4}"/>
+          </ac:picMkLst>
+        </pc:picChg>
+        <pc:picChg chg="add mod">
+          <ac:chgData name="Martin, Tony" userId="b1bd46c3-4005-4c25-a278-03e5f4aa714e" providerId="ADAL" clId="{374F2BE5-76F1-4E11-9EBE-9B7962EAA8FB}" dt="2023-03-31T10:15:38.632" v="367" actId="1076"/>
+          <ac:picMkLst>
+            <pc:docMk/>
+            <pc:sldMk cId="3357121471" sldId="274"/>
+            <ac:picMk id="13" creationId="{FF949724-7C53-0518-E8AF-E6353E8AC448}"/>
+          </ac:picMkLst>
+        </pc:picChg>
+        <pc:picChg chg="add mod modCrop">
+          <ac:chgData name="Martin, Tony" userId="b1bd46c3-4005-4c25-a278-03e5f4aa714e" providerId="ADAL" clId="{374F2BE5-76F1-4E11-9EBE-9B7962EAA8FB}" dt="2023-03-31T10:18:39.199" v="476" actId="732"/>
+          <ac:picMkLst>
+            <pc:docMk/>
+            <pc:sldMk cId="3357121471" sldId="274"/>
+            <ac:picMk id="15" creationId="{98CD47CB-D19D-5C39-9A28-DE01FF8256BF}"/>
+          </ac:picMkLst>
+        </pc:picChg>
+      </pc:sldChg>
+      <pc:sldChg chg="addSp delSp modSp add mod">
+        <pc:chgData name="Martin, Tony" userId="b1bd46c3-4005-4c25-a278-03e5f4aa714e" providerId="ADAL" clId="{374F2BE5-76F1-4E11-9EBE-9B7962EAA8FB}" dt="2023-03-31T14:06:15.534" v="635" actId="14100"/>
+        <pc:sldMkLst>
+          <pc:docMk/>
+          <pc:sldMk cId="547596241" sldId="275"/>
+        </pc:sldMkLst>
+        <pc:picChg chg="add mod">
+          <ac:chgData name="Martin, Tony" userId="b1bd46c3-4005-4c25-a278-03e5f4aa714e" providerId="ADAL" clId="{374F2BE5-76F1-4E11-9EBE-9B7962EAA8FB}" dt="2023-03-31T14:05:38.056" v="628" actId="14100"/>
+          <ac:picMkLst>
+            <pc:docMk/>
+            <pc:sldMk cId="547596241" sldId="275"/>
+            <ac:picMk id="5" creationId="{22398C2E-BC61-D1DA-4617-F40F1975BF2C}"/>
+          </ac:picMkLst>
+        </pc:picChg>
+        <pc:picChg chg="del">
+          <ac:chgData name="Martin, Tony" userId="b1bd46c3-4005-4c25-a278-03e5f4aa714e" providerId="ADAL" clId="{374F2BE5-76F1-4E11-9EBE-9B7962EAA8FB}" dt="2023-03-31T14:05:32.593" v="627" actId="478"/>
+          <ac:picMkLst>
+            <pc:docMk/>
+            <pc:sldMk cId="547596241" sldId="275"/>
+            <ac:picMk id="6" creationId="{1ECD2913-F578-8DAF-0ED6-4D73FAD80B86}"/>
+          </ac:picMkLst>
+        </pc:picChg>
+        <pc:picChg chg="add mod">
+          <ac:chgData name="Martin, Tony" userId="b1bd46c3-4005-4c25-a278-03e5f4aa714e" providerId="ADAL" clId="{374F2BE5-76F1-4E11-9EBE-9B7962EAA8FB}" dt="2023-03-31T14:06:15.534" v="635" actId="14100"/>
+          <ac:picMkLst>
+            <pc:docMk/>
+            <pc:sldMk cId="547596241" sldId="275"/>
+            <ac:picMk id="8" creationId="{35B84912-CACE-8D15-350E-93E7160A1880}"/>
+          </ac:picMkLst>
+        </pc:picChg>
+        <pc:picChg chg="del">
+          <ac:chgData name="Martin, Tony" userId="b1bd46c3-4005-4c25-a278-03e5f4aa714e" providerId="ADAL" clId="{374F2BE5-76F1-4E11-9EBE-9B7962EAA8FB}" dt="2023-03-31T14:06:11.057" v="634" actId="478"/>
+          <ac:picMkLst>
+            <pc:docMk/>
+            <pc:sldMk cId="547596241" sldId="275"/>
+            <ac:picMk id="11" creationId="{D3DB2B7A-DD5F-3779-5138-D688BACB2AE4}"/>
+          </ac:picMkLst>
+        </pc:picChg>
+      </pc:sldChg>
+      <pc:sldChg chg="addSp delSp modSp add mod">
+        <pc:chgData name="Martin, Tony" userId="b1bd46c3-4005-4c25-a278-03e5f4aa714e" providerId="ADAL" clId="{374F2BE5-76F1-4E11-9EBE-9B7962EAA8FB}" dt="2023-03-31T14:08:29.947" v="639" actId="1076"/>
+        <pc:sldMkLst>
+          <pc:docMk/>
+          <pc:sldMk cId="1148940179" sldId="277"/>
+        </pc:sldMkLst>
+        <pc:spChg chg="add del mod">
+          <ac:chgData name="Martin, Tony" userId="b1bd46c3-4005-4c25-a278-03e5f4aa714e" providerId="ADAL" clId="{374F2BE5-76F1-4E11-9EBE-9B7962EAA8FB}" dt="2023-03-31T14:08:24.919" v="637" actId="478"/>
+          <ac:spMkLst>
+            <pc:docMk/>
+            <pc:sldMk cId="1148940179" sldId="277"/>
+            <ac:spMk id="9" creationId="{6FF1DC6F-AA83-F080-D166-D788BCDEEE2B}"/>
+          </ac:spMkLst>
+        </pc:spChg>
+        <pc:picChg chg="add mod">
+          <ac:chgData name="Martin, Tony" userId="b1bd46c3-4005-4c25-a278-03e5f4aa714e" providerId="ADAL" clId="{374F2BE5-76F1-4E11-9EBE-9B7962EAA8FB}" dt="2023-03-31T14:04:31.653" v="618" actId="14100"/>
+          <ac:picMkLst>
+            <pc:docMk/>
+            <pc:sldMk cId="1148940179" sldId="277"/>
+            <ac:picMk id="5" creationId="{2BF2E20D-525E-7BCE-C65C-A909185C4EAC}"/>
+          </ac:picMkLst>
+        </pc:picChg>
+        <pc:picChg chg="del">
+          <ac:chgData name="Martin, Tony" userId="b1bd46c3-4005-4c25-a278-03e5f4aa714e" providerId="ADAL" clId="{374F2BE5-76F1-4E11-9EBE-9B7962EAA8FB}" dt="2023-03-31T14:04:27.964" v="617" actId="478"/>
+          <ac:picMkLst>
+            <pc:docMk/>
+            <pc:sldMk cId="1148940179" sldId="277"/>
+            <ac:picMk id="6" creationId="{1ECD2913-F578-8DAF-0ED6-4D73FAD80B86}"/>
+          </ac:picMkLst>
+        </pc:picChg>
+        <pc:picChg chg="add mod">
+          <ac:chgData name="Martin, Tony" userId="b1bd46c3-4005-4c25-a278-03e5f4aa714e" providerId="ADAL" clId="{374F2BE5-76F1-4E11-9EBE-9B7962EAA8FB}" dt="2023-03-31T14:05:12.914" v="623" actId="14100"/>
+          <ac:picMkLst>
+            <pc:docMk/>
+            <pc:sldMk cId="1148940179" sldId="277"/>
+            <ac:picMk id="8" creationId="{752FEE40-BA12-10DF-9211-635C82E077F6}"/>
+          </ac:picMkLst>
+        </pc:picChg>
+        <pc:picChg chg="del">
+          <ac:chgData name="Martin, Tony" userId="b1bd46c3-4005-4c25-a278-03e5f4aa714e" providerId="ADAL" clId="{374F2BE5-76F1-4E11-9EBE-9B7962EAA8FB}" dt="2023-03-31T14:05:09.310" v="622" actId="478"/>
+          <ac:picMkLst>
+            <pc:docMk/>
+            <pc:sldMk cId="1148940179" sldId="277"/>
+            <ac:picMk id="11" creationId="{D3DB2B7A-DD5F-3779-5138-D688BACB2AE4}"/>
+          </ac:picMkLst>
+        </pc:picChg>
+        <pc:picChg chg="add mod">
+          <ac:chgData name="Martin, Tony" userId="b1bd46c3-4005-4c25-a278-03e5f4aa714e" providerId="ADAL" clId="{374F2BE5-76F1-4E11-9EBE-9B7962EAA8FB}" dt="2023-03-31T14:08:29.947" v="639" actId="1076"/>
+          <ac:picMkLst>
+            <pc:docMk/>
+            <pc:sldMk cId="1148940179" sldId="277"/>
+            <ac:picMk id="12" creationId="{03E12A7C-FC16-318B-ED22-6418D33AE424}"/>
+          </ac:picMkLst>
+        </pc:picChg>
+      </pc:sldChg>
+      <pc:sldChg chg="addSp delSp modSp new mod">
+        <pc:chgData name="Martin, Tony" userId="b1bd46c3-4005-4c25-a278-03e5f4aa714e" providerId="ADAL" clId="{374F2BE5-76F1-4E11-9EBE-9B7962EAA8FB}" dt="2023-03-31T14:14:44.891" v="700" actId="1076"/>
+        <pc:sldMkLst>
+          <pc:docMk/>
+          <pc:sldMk cId="3354044968" sldId="278"/>
+        </pc:sldMkLst>
+        <pc:spChg chg="del">
+          <ac:chgData name="Martin, Tony" userId="b1bd46c3-4005-4c25-a278-03e5f4aa714e" providerId="ADAL" clId="{374F2BE5-76F1-4E11-9EBE-9B7962EAA8FB}" dt="2023-03-31T14:09:04.685" v="644" actId="478"/>
+          <ac:spMkLst>
+            <pc:docMk/>
+            <pc:sldMk cId="3354044968" sldId="278"/>
+            <ac:spMk id="2" creationId="{DAF85E16-2057-DCF5-D95C-E769CDB8498A}"/>
+          </ac:spMkLst>
+        </pc:spChg>
+        <pc:spChg chg="del">
+          <ac:chgData name="Martin, Tony" userId="b1bd46c3-4005-4c25-a278-03e5f4aa714e" providerId="ADAL" clId="{374F2BE5-76F1-4E11-9EBE-9B7962EAA8FB}" dt="2023-03-31T14:09:03.303" v="643" actId="478"/>
+          <ac:spMkLst>
+            <pc:docMk/>
+            <pc:sldMk cId="3354044968" sldId="278"/>
+            <ac:spMk id="3" creationId="{49D47281-2562-A17F-75F3-39CAA7BDF775}"/>
+          </ac:spMkLst>
+        </pc:spChg>
+        <pc:picChg chg="add mod">
+          <ac:chgData name="Martin, Tony" userId="b1bd46c3-4005-4c25-a278-03e5f4aa714e" providerId="ADAL" clId="{374F2BE5-76F1-4E11-9EBE-9B7962EAA8FB}" dt="2023-03-31T14:14:32.125" v="696" actId="1076"/>
+          <ac:picMkLst>
+            <pc:docMk/>
+            <pc:sldMk cId="3354044968" sldId="278"/>
+            <ac:picMk id="4" creationId="{D85F2452-6C23-7BC6-A4CA-44FFDBD81118}"/>
+          </ac:picMkLst>
+        </pc:picChg>
+        <pc:picChg chg="add mod">
+          <ac:chgData name="Martin, Tony" userId="b1bd46c3-4005-4c25-a278-03e5f4aa714e" providerId="ADAL" clId="{374F2BE5-76F1-4E11-9EBE-9B7962EAA8FB}" dt="2023-03-31T14:14:32.125" v="696" actId="1076"/>
+          <ac:picMkLst>
+            <pc:docMk/>
+            <pc:sldMk cId="3354044968" sldId="278"/>
+            <ac:picMk id="5" creationId="{011EC9A9-9D28-5353-2CE3-FFC023742DAB}"/>
+          </ac:picMkLst>
+        </pc:picChg>
+        <pc:picChg chg="add mod">
+          <ac:chgData name="Martin, Tony" userId="b1bd46c3-4005-4c25-a278-03e5f4aa714e" providerId="ADAL" clId="{374F2BE5-76F1-4E11-9EBE-9B7962EAA8FB}" dt="2023-03-31T14:14:32.125" v="696" actId="1076"/>
+          <ac:picMkLst>
+            <pc:docMk/>
+            <pc:sldMk cId="3354044968" sldId="278"/>
+            <ac:picMk id="6" creationId="{807B2BFE-79D1-D35D-F1EF-F1E7427C0A12}"/>
+          </ac:picMkLst>
+        </pc:picChg>
+        <pc:picChg chg="add mod">
+          <ac:chgData name="Martin, Tony" userId="b1bd46c3-4005-4c25-a278-03e5f4aa714e" providerId="ADAL" clId="{374F2BE5-76F1-4E11-9EBE-9B7962EAA8FB}" dt="2023-03-31T14:14:32.125" v="696" actId="1076"/>
+          <ac:picMkLst>
+            <pc:docMk/>
+            <pc:sldMk cId="3354044968" sldId="278"/>
+            <ac:picMk id="8" creationId="{5F4B35BC-C7EA-8B49-00C0-39B63D7F52F9}"/>
+          </ac:picMkLst>
+        </pc:picChg>
+        <pc:picChg chg="add mod">
+          <ac:chgData name="Martin, Tony" userId="b1bd46c3-4005-4c25-a278-03e5f4aa714e" providerId="ADAL" clId="{374F2BE5-76F1-4E11-9EBE-9B7962EAA8FB}" dt="2023-03-31T14:14:32.125" v="696" actId="1076"/>
+          <ac:picMkLst>
+            <pc:docMk/>
+            <pc:sldMk cId="3354044968" sldId="278"/>
+            <ac:picMk id="10" creationId="{F8D6DA0C-2471-7F47-3D0E-B004A6DE1F24}"/>
+          </ac:picMkLst>
+        </pc:picChg>
+        <pc:picChg chg="add mod">
+          <ac:chgData name="Martin, Tony" userId="b1bd46c3-4005-4c25-a278-03e5f4aa714e" providerId="ADAL" clId="{374F2BE5-76F1-4E11-9EBE-9B7962EAA8FB}" dt="2023-03-31T14:14:43.134" v="699" actId="1076"/>
+          <ac:picMkLst>
+            <pc:docMk/>
+            <pc:sldMk cId="3354044968" sldId="278"/>
+            <ac:picMk id="12" creationId="{FD886B13-14AA-36AB-9094-28D34AC7BA46}"/>
+          </ac:picMkLst>
+        </pc:picChg>
+        <pc:picChg chg="add mod">
+          <ac:chgData name="Martin, Tony" userId="b1bd46c3-4005-4c25-a278-03e5f4aa714e" providerId="ADAL" clId="{374F2BE5-76F1-4E11-9EBE-9B7962EAA8FB}" dt="2023-03-31T14:14:44.891" v="700" actId="1076"/>
+          <ac:picMkLst>
+            <pc:docMk/>
+            <pc:sldMk cId="3354044968" sldId="278"/>
+            <ac:picMk id="14" creationId="{2EB18372-358C-162B-3B9A-B8A3E30768DA}"/>
+          </ac:picMkLst>
+        </pc:picChg>
+        <pc:picChg chg="add mod">
+          <ac:chgData name="Martin, Tony" userId="b1bd46c3-4005-4c25-a278-03e5f4aa714e" providerId="ADAL" clId="{374F2BE5-76F1-4E11-9EBE-9B7962EAA8FB}" dt="2023-03-31T14:14:32.125" v="696" actId="1076"/>
+          <ac:picMkLst>
+            <pc:docMk/>
+            <pc:sldMk cId="3354044968" sldId="278"/>
+            <ac:picMk id="16" creationId="{038536F9-A7B5-2535-F403-41E00F6E66F0}"/>
+          </ac:picMkLst>
+        </pc:picChg>
+        <pc:picChg chg="add mod">
+          <ac:chgData name="Martin, Tony" userId="b1bd46c3-4005-4c25-a278-03e5f4aa714e" providerId="ADAL" clId="{374F2BE5-76F1-4E11-9EBE-9B7962EAA8FB}" dt="2023-03-31T14:14:32.125" v="696" actId="1076"/>
+          <ac:picMkLst>
+            <pc:docMk/>
+            <pc:sldMk cId="3354044968" sldId="278"/>
+            <ac:picMk id="18" creationId="{29788A66-880F-76AD-5B9E-9AC927BC6581}"/>
+          </ac:picMkLst>
+        </pc:picChg>
+      </pc:sldChg>
+      <pc:sldMasterChg chg="del delSldLayout">
+        <pc:chgData name="Martin, Tony" userId="b1bd46c3-4005-4c25-a278-03e5f4aa714e" providerId="ADAL" clId="{374F2BE5-76F1-4E11-9EBE-9B7962EAA8FB}" dt="2023-03-30T13:48:46.359" v="0" actId="26606"/>
+        <pc:sldMasterMkLst>
+          <pc:docMk/>
+          <pc:sldMasterMk cId="2160597219" sldId="2147483648"/>
+        </pc:sldMasterMkLst>
+        <pc:sldLayoutChg chg="del">
+          <pc:chgData name="Martin, Tony" userId="b1bd46c3-4005-4c25-a278-03e5f4aa714e" providerId="ADAL" clId="{374F2BE5-76F1-4E11-9EBE-9B7962EAA8FB}" dt="2023-03-30T13:48:46.359" v="0" actId="26606"/>
+          <pc:sldLayoutMkLst>
+            <pc:docMk/>
+            <pc:sldMasterMk cId="2160597219" sldId="2147483648"/>
+            <pc:sldLayoutMk cId="3116702663" sldId="2147483649"/>
+          </pc:sldLayoutMkLst>
+        </pc:sldLayoutChg>
+        <pc:sldLayoutChg chg="del">
+          <pc:chgData name="Martin, Tony" userId="b1bd46c3-4005-4c25-a278-03e5f4aa714e" providerId="ADAL" clId="{374F2BE5-76F1-4E11-9EBE-9B7962EAA8FB}" dt="2023-03-30T13:48:46.359" v="0" actId="26606"/>
+          <pc:sldLayoutMkLst>
+            <pc:docMk/>
+            <pc:sldMasterMk cId="2160597219" sldId="2147483648"/>
+            <pc:sldLayoutMk cId="1754167331" sldId="2147483650"/>
+          </pc:sldLayoutMkLst>
+        </pc:sldLayoutChg>
+        <pc:sldLayoutChg chg="del">
+          <pc:chgData name="Martin, Tony" userId="b1bd46c3-4005-4c25-a278-03e5f4aa714e" providerId="ADAL" clId="{374F2BE5-76F1-4E11-9EBE-9B7962EAA8FB}" dt="2023-03-30T13:48:46.359" v="0" actId="26606"/>
+          <pc:sldLayoutMkLst>
+            <pc:docMk/>
+            <pc:sldMasterMk cId="2160597219" sldId="2147483648"/>
+            <pc:sldLayoutMk cId="4056219512" sldId="2147483651"/>
+          </pc:sldLayoutMkLst>
+        </pc:sldLayoutChg>
+        <pc:sldLayoutChg chg="del">
+          <pc:chgData name="Martin, Tony" userId="b1bd46c3-4005-4c25-a278-03e5f4aa714e" providerId="ADAL" clId="{374F2BE5-76F1-4E11-9EBE-9B7962EAA8FB}" dt="2023-03-30T13:48:46.359" v="0" actId="26606"/>
+          <pc:sldLayoutMkLst>
+            <pc:docMk/>
+            <pc:sldMasterMk cId="2160597219" sldId="2147483648"/>
+            <pc:sldLayoutMk cId="763546159" sldId="2147483652"/>
+          </pc:sldLayoutMkLst>
+        </pc:sldLayoutChg>
+        <pc:sldLayoutChg chg="del">
+          <pc:chgData name="Martin, Tony" userId="b1bd46c3-4005-4c25-a278-03e5f4aa714e" providerId="ADAL" clId="{374F2BE5-76F1-4E11-9EBE-9B7962EAA8FB}" dt="2023-03-30T13:48:46.359" v="0" actId="26606"/>
+          <pc:sldLayoutMkLst>
+            <pc:docMk/>
+            <pc:sldMasterMk cId="2160597219" sldId="2147483648"/>
+            <pc:sldLayoutMk cId="2573616877" sldId="2147483653"/>
+          </pc:sldLayoutMkLst>
+        </pc:sldLayoutChg>
+        <pc:sldLayoutChg chg="del">
+          <pc:chgData name="Martin, Tony" userId="b1bd46c3-4005-4c25-a278-03e5f4aa714e" providerId="ADAL" clId="{374F2BE5-76F1-4E11-9EBE-9B7962EAA8FB}" dt="2023-03-30T13:48:46.359" v="0" actId="26606"/>
+          <pc:sldLayoutMkLst>
+            <pc:docMk/>
+            <pc:sldMasterMk cId="2160597219" sldId="2147483648"/>
+            <pc:sldLayoutMk cId="1359451752" sldId="2147483654"/>
+          </pc:sldLayoutMkLst>
+        </pc:sldLayoutChg>
+        <pc:sldLayoutChg chg="del">
+          <pc:chgData name="Martin, Tony" userId="b1bd46c3-4005-4c25-a278-03e5f4aa714e" providerId="ADAL" clId="{374F2BE5-76F1-4E11-9EBE-9B7962EAA8FB}" dt="2023-03-30T13:48:46.359" v="0" actId="26606"/>
+          <pc:sldLayoutMkLst>
+            <pc:docMk/>
+            <pc:sldMasterMk cId="2160597219" sldId="2147483648"/>
+            <pc:sldLayoutMk cId="133089991" sldId="2147483655"/>
+          </pc:sldLayoutMkLst>
+        </pc:sldLayoutChg>
+        <pc:sldLayoutChg chg="del">
+          <pc:chgData name="Martin, Tony" userId="b1bd46c3-4005-4c25-a278-03e5f4aa714e" providerId="ADAL" clId="{374F2BE5-76F1-4E11-9EBE-9B7962EAA8FB}" dt="2023-03-30T13:48:46.359" v="0" actId="26606"/>
+          <pc:sldLayoutMkLst>
+            <pc:docMk/>
+            <pc:sldMasterMk cId="2160597219" sldId="2147483648"/>
+            <pc:sldLayoutMk cId="2836695149" sldId="2147483656"/>
+          </pc:sldLayoutMkLst>
+        </pc:sldLayoutChg>
+        <pc:sldLayoutChg chg="del">
+          <pc:chgData name="Martin, Tony" userId="b1bd46c3-4005-4c25-a278-03e5f4aa714e" providerId="ADAL" clId="{374F2BE5-76F1-4E11-9EBE-9B7962EAA8FB}" dt="2023-03-30T13:48:46.359" v="0" actId="26606"/>
+          <pc:sldLayoutMkLst>
+            <pc:docMk/>
+            <pc:sldMasterMk cId="2160597219" sldId="2147483648"/>
+            <pc:sldLayoutMk cId="1713379291" sldId="2147483657"/>
+          </pc:sldLayoutMkLst>
+        </pc:sldLayoutChg>
+        <pc:sldLayoutChg chg="del">
+          <pc:chgData name="Martin, Tony" userId="b1bd46c3-4005-4c25-a278-03e5f4aa714e" providerId="ADAL" clId="{374F2BE5-76F1-4E11-9EBE-9B7962EAA8FB}" dt="2023-03-30T13:48:46.359" v="0" actId="26606"/>
+          <pc:sldLayoutMkLst>
+            <pc:docMk/>
+            <pc:sldMasterMk cId="2160597219" sldId="2147483648"/>
+            <pc:sldLayoutMk cId="599831737" sldId="2147483658"/>
+          </pc:sldLayoutMkLst>
+        </pc:sldLayoutChg>
+        <pc:sldLayoutChg chg="del">
+          <pc:chgData name="Martin, Tony" userId="b1bd46c3-4005-4c25-a278-03e5f4aa714e" providerId="ADAL" clId="{374F2BE5-76F1-4E11-9EBE-9B7962EAA8FB}" dt="2023-03-30T13:48:46.359" v="0" actId="26606"/>
+          <pc:sldLayoutMkLst>
+            <pc:docMk/>
+            <pc:sldMasterMk cId="2160597219" sldId="2147483648"/>
+            <pc:sldLayoutMk cId="2299409273" sldId="2147483659"/>
+          </pc:sldLayoutMkLst>
+        </pc:sldLayoutChg>
+      </pc:sldMasterChg>
+      <pc:sldMasterChg chg="add addSldLayout">
+        <pc:chgData name="Martin, Tony" userId="b1bd46c3-4005-4c25-a278-03e5f4aa714e" providerId="ADAL" clId="{374F2BE5-76F1-4E11-9EBE-9B7962EAA8FB}" dt="2023-03-30T13:48:46.359" v="0" actId="26606"/>
+        <pc:sldMasterMkLst>
+          <pc:docMk/>
+          <pc:sldMasterMk cId="952230773" sldId="2147483738"/>
+        </pc:sldMasterMkLst>
+        <pc:sldLayoutChg chg="add">
+          <pc:chgData name="Martin, Tony" userId="b1bd46c3-4005-4c25-a278-03e5f4aa714e" providerId="ADAL" clId="{374F2BE5-76F1-4E11-9EBE-9B7962EAA8FB}" dt="2023-03-30T13:48:46.359" v="0" actId="26606"/>
+          <pc:sldLayoutMkLst>
+            <pc:docMk/>
+            <pc:sldMasterMk cId="952230773" sldId="2147483738"/>
+            <pc:sldLayoutMk cId="3728699756" sldId="2147483727"/>
+          </pc:sldLayoutMkLst>
+        </pc:sldLayoutChg>
+        <pc:sldLayoutChg chg="add">
+          <pc:chgData name="Martin, Tony" userId="b1bd46c3-4005-4c25-a278-03e5f4aa714e" providerId="ADAL" clId="{374F2BE5-76F1-4E11-9EBE-9B7962EAA8FB}" dt="2023-03-30T13:48:46.359" v="0" actId="26606"/>
+          <pc:sldLayoutMkLst>
+            <pc:docMk/>
+            <pc:sldMasterMk cId="952230773" sldId="2147483738"/>
+            <pc:sldLayoutMk cId="428251815" sldId="2147483728"/>
+          </pc:sldLayoutMkLst>
+        </pc:sldLayoutChg>
+        <pc:sldLayoutChg chg="add">
+          <pc:chgData name="Martin, Tony" userId="b1bd46c3-4005-4c25-a278-03e5f4aa714e" providerId="ADAL" clId="{374F2BE5-76F1-4E11-9EBE-9B7962EAA8FB}" dt="2023-03-30T13:48:46.359" v="0" actId="26606"/>
+          <pc:sldLayoutMkLst>
+            <pc:docMk/>
+            <pc:sldMasterMk cId="952230773" sldId="2147483738"/>
+            <pc:sldLayoutMk cId="3281254789" sldId="2147483729"/>
+          </pc:sldLayoutMkLst>
+        </pc:sldLayoutChg>
+        <pc:sldLayoutChg chg="add">
+          <pc:chgData name="Martin, Tony" userId="b1bd46c3-4005-4c25-a278-03e5f4aa714e" providerId="ADAL" clId="{374F2BE5-76F1-4E11-9EBE-9B7962EAA8FB}" dt="2023-03-30T13:48:46.359" v="0" actId="26606"/>
+          <pc:sldLayoutMkLst>
+            <pc:docMk/>
+            <pc:sldMasterMk cId="952230773" sldId="2147483738"/>
+            <pc:sldLayoutMk cId="2290375541" sldId="2147483730"/>
+          </pc:sldLayoutMkLst>
+        </pc:sldLayoutChg>
+        <pc:sldLayoutChg chg="add">
+          <pc:chgData name="Martin, Tony" userId="b1bd46c3-4005-4c25-a278-03e5f4aa714e" providerId="ADAL" clId="{374F2BE5-76F1-4E11-9EBE-9B7962EAA8FB}" dt="2023-03-30T13:48:46.359" v="0" actId="26606"/>
+          <pc:sldLayoutMkLst>
+            <pc:docMk/>
+            <pc:sldMasterMk cId="952230773" sldId="2147483738"/>
+            <pc:sldLayoutMk cId="1655376569" sldId="2147483731"/>
+          </pc:sldLayoutMkLst>
+        </pc:sldLayoutChg>
+        <pc:sldLayoutChg chg="add">
+          <pc:chgData name="Martin, Tony" userId="b1bd46c3-4005-4c25-a278-03e5f4aa714e" providerId="ADAL" clId="{374F2BE5-76F1-4E11-9EBE-9B7962EAA8FB}" dt="2023-03-30T13:48:46.359" v="0" actId="26606"/>
+          <pc:sldLayoutMkLst>
+            <pc:docMk/>
+            <pc:sldMasterMk cId="952230773" sldId="2147483738"/>
+            <pc:sldLayoutMk cId="1783789333" sldId="2147483732"/>
+          </pc:sldLayoutMkLst>
+        </pc:sldLayoutChg>
+        <pc:sldLayoutChg chg="add">
+          <pc:chgData name="Martin, Tony" userId="b1bd46c3-4005-4c25-a278-03e5f4aa714e" providerId="ADAL" clId="{374F2BE5-76F1-4E11-9EBE-9B7962EAA8FB}" dt="2023-03-30T13:48:46.359" v="0" actId="26606"/>
+          <pc:sldLayoutMkLst>
+            <pc:docMk/>
+            <pc:sldMasterMk cId="952230773" sldId="2147483738"/>
+            <pc:sldLayoutMk cId="1317719977" sldId="2147483733"/>
+          </pc:sldLayoutMkLst>
+        </pc:sldLayoutChg>
+        <pc:sldLayoutChg chg="add">
+          <pc:chgData name="Martin, Tony" userId="b1bd46c3-4005-4c25-a278-03e5f4aa714e" providerId="ADAL" clId="{374F2BE5-76F1-4E11-9EBE-9B7962EAA8FB}" dt="2023-03-30T13:48:46.359" v="0" actId="26606"/>
+          <pc:sldLayoutMkLst>
+            <pc:docMk/>
+            <pc:sldMasterMk cId="952230773" sldId="2147483738"/>
+            <pc:sldLayoutMk cId="1092493659" sldId="2147483734"/>
+          </pc:sldLayoutMkLst>
+        </pc:sldLayoutChg>
+        <pc:sldLayoutChg chg="add">
+          <pc:chgData name="Martin, Tony" userId="b1bd46c3-4005-4c25-a278-03e5f4aa714e" providerId="ADAL" clId="{374F2BE5-76F1-4E11-9EBE-9B7962EAA8FB}" dt="2023-03-30T13:48:46.359" v="0" actId="26606"/>
+          <pc:sldLayoutMkLst>
+            <pc:docMk/>
+            <pc:sldMasterMk cId="952230773" sldId="2147483738"/>
+            <pc:sldLayoutMk cId="1696583432" sldId="2147483735"/>
+          </pc:sldLayoutMkLst>
+        </pc:sldLayoutChg>
+        <pc:sldLayoutChg chg="add">
+          <pc:chgData name="Martin, Tony" userId="b1bd46c3-4005-4c25-a278-03e5f4aa714e" providerId="ADAL" clId="{374F2BE5-76F1-4E11-9EBE-9B7962EAA8FB}" dt="2023-03-30T13:48:46.359" v="0" actId="26606"/>
+          <pc:sldLayoutMkLst>
+            <pc:docMk/>
+            <pc:sldMasterMk cId="952230773" sldId="2147483738"/>
+            <pc:sldLayoutMk cId="591293285" sldId="2147483736"/>
+          </pc:sldLayoutMkLst>
+        </pc:sldLayoutChg>
+        <pc:sldLayoutChg chg="add">
+          <pc:chgData name="Martin, Tony" userId="b1bd46c3-4005-4c25-a278-03e5f4aa714e" providerId="ADAL" clId="{374F2BE5-76F1-4E11-9EBE-9B7962EAA8FB}" dt="2023-03-30T13:48:46.359" v="0" actId="26606"/>
+          <pc:sldLayoutMkLst>
+            <pc:docMk/>
+            <pc:sldMasterMk cId="952230773" sldId="2147483738"/>
+            <pc:sldLayoutMk cId="2763636680" sldId="2147483737"/>
+          </pc:sldLayoutMkLst>
+        </pc:sldLayoutChg>
+      </pc:sldMasterChg>
+    </pc:docChg>
+  </pc:docChgLst>
+  <pc:docChgLst>
+    <pc:chgData name="Guest User" userId="S::urn:spo:anon#3205668be4588c2972589c1e47289ecaadf7add4689612247353337f1030b440::" providerId="AD" clId="Web-{5D9FA5E9-18DC-F178-D7E0-86373AD4F03E}"/>
+    <pc:docChg chg="addSld modSld sldOrd">
+      <pc:chgData name="Guest User" userId="S::urn:spo:anon#3205668be4588c2972589c1e47289ecaadf7add4689612247353337f1030b440::" providerId="AD" clId="Web-{5D9FA5E9-18DC-F178-D7E0-86373AD4F03E}" dt="2023-03-31T02:12:03.998" v="533" actId="20577"/>
+      <pc:docMkLst>
+        <pc:docMk/>
+      </pc:docMkLst>
+      <pc:sldChg chg="addSp delSp modSp ord">
+        <pc:chgData name="Guest User" userId="S::urn:spo:anon#3205668be4588c2972589c1e47289ecaadf7add4689612247353337f1030b440::" providerId="AD" clId="Web-{5D9FA5E9-18DC-F178-D7E0-86373AD4F03E}" dt="2023-03-31T02:12:03.998" v="533" actId="20577"/>
         <pc:sldMkLst>
           <pc:docMk/>
           <pc:sldMk cId="2123093239" sldId="258"/>
         </pc:sldMkLst>
         <pc:spChg chg="mod">
-          <ac:chgData name="Guest User" userId="S::urn:spo:anon#3205668be4588c2972589c1e47289ecaadf7add4689612247353337f1030b440::" providerId="AD" clId="Web-{D9E834AE-4805-49D3-4CBD-824FDD8F2E2A}" dt="2023-03-30T14:55:29.632" v="48"/>
+          <ac:chgData name="Guest User" userId="S::urn:spo:anon#3205668be4588c2972589c1e47289ecaadf7add4689612247353337f1030b440::" providerId="AD" clId="Web-{5D9FA5E9-18DC-F178-D7E0-86373AD4F03E}" dt="2023-03-31T02:06:03.908" v="244" actId="20577"/>
           <ac:spMkLst>
             <pc:docMk/>
             <pc:sldMk cId="2123093239" sldId="258"/>
             <ac:spMk id="2" creationId="{F226BFF5-2E85-3AFE-73C9-BE7D526832EE}"/>
           </ac:spMkLst>
         </pc:spChg>
-        <pc:spChg chg="del">
-          <ac:chgData name="Guest User" userId="S::urn:spo:anon#3205668be4588c2972589c1e47289ecaadf7add4689612247353337f1030b440::" providerId="AD" clId="Web-{D9E834AE-4805-49D3-4CBD-824FDD8F2E2A}" dt="2023-03-30T14:55:00.974" v="42"/>
-          <ac:spMkLst>
-            <pc:docMk/>
-            <pc:sldMk cId="2123093239" sldId="258"/>
-            <ac:spMk id="3" creationId="{6B8FB04B-F19B-0C95-12AE-5D2217E5CB8D}"/>
-          </ac:spMkLst>
-        </pc:spChg>
-        <pc:spChg chg="add mod">
-          <ac:chgData name="Guest User" userId="S::urn:spo:anon#3205668be4588c2972589c1e47289ecaadf7add4689612247353337f1030b440::" providerId="AD" clId="Web-{D9E834AE-4805-49D3-4CBD-824FDD8F2E2A}" dt="2023-03-30T14:56:05.351" v="99" actId="20577"/>
+        <pc:spChg chg="mod">
+          <ac:chgData name="Guest User" userId="S::urn:spo:anon#3205668be4588c2972589c1e47289ecaadf7add4689612247353337f1030b440::" providerId="AD" clId="Web-{5D9FA5E9-18DC-F178-D7E0-86373AD4F03E}" dt="2023-03-31T02:12:03.998" v="533" actId="20577"/>
           <ac:spMkLst>
             <pc:docMk/>
             <pc:sldMk cId="2123093239" sldId="258"/>
             <ac:spMk id="8" creationId="{FF0542F9-D859-157C-1D6C-1928E73F55FA}"/>
           </ac:spMkLst>
         </pc:spChg>
-        <pc:spChg chg="add">
-          <ac:chgData name="Guest User" userId="S::urn:spo:anon#3205668be4588c2972589c1e47289ecaadf7add4689612247353337f1030b440::" providerId="AD" clId="Web-{D9E834AE-4805-49D3-4CBD-824FDD8F2E2A}" dt="2023-03-30T14:55:29.632" v="48"/>
-          <ac:spMkLst>
+        <pc:picChg chg="add del mod">
+          <ac:chgData name="Guest User" userId="S::urn:spo:anon#3205668be4588c2972589c1e47289ecaadf7add4689612247353337f1030b440::" providerId="AD" clId="Web-{5D9FA5E9-18DC-F178-D7E0-86373AD4F03E}" dt="2023-03-31T02:03:29.653" v="225"/>
+          <ac:picMkLst>
             <pc:docMk/>
             <pc:sldMk cId="2123093239" sldId="258"/>
-            <ac:spMk id="11" creationId="{7FF47CB7-972F-479F-A36D-9E72D26EC8DA}"/>
-          </ac:spMkLst>
-        </pc:spChg>
-        <pc:spChg chg="add">
-          <ac:chgData name="Guest User" userId="S::urn:spo:anon#3205668be4588c2972589c1e47289ecaadf7add4689612247353337f1030b440::" providerId="AD" clId="Web-{D9E834AE-4805-49D3-4CBD-824FDD8F2E2A}" dt="2023-03-30T14:55:29.632" v="48"/>
-          <ac:spMkLst>
-            <pc:docMk/>
-            <pc:sldMk cId="2123093239" sldId="258"/>
-            <ac:spMk id="13" creationId="{0D153B68-5844-490D-8E67-F616D6D721CA}"/>
-          </ac:spMkLst>
-        </pc:spChg>
-        <pc:spChg chg="add">
-          <ac:chgData name="Guest User" userId="S::urn:spo:anon#3205668be4588c2972589c1e47289ecaadf7add4689612247353337f1030b440::" providerId="AD" clId="Web-{D9E834AE-4805-49D3-4CBD-824FDD8F2E2A}" dt="2023-03-30T14:55:29.632" v="48"/>
-          <ac:spMkLst>
-            <pc:docMk/>
-            <pc:sldMk cId="2123093239" sldId="258"/>
-            <ac:spMk id="15" creationId="{C64E267B-3F5A-4357-9E7F-C5FBE5D3B1E0}"/>
-          </ac:spMkLst>
-        </pc:spChg>
-        <pc:picChg chg="add mod ord">
-          <ac:chgData name="Guest User" userId="S::urn:spo:anon#3205668be4588c2972589c1e47289ecaadf7add4689612247353337f1030b440::" providerId="AD" clId="Web-{D9E834AE-4805-49D3-4CBD-824FDD8F2E2A}" dt="2023-03-30T14:55:29.632" v="48"/>
+            <ac:picMk id="3" creationId="{64DC31FD-2928-20F8-7B70-A3A802B9A506}"/>
+          </ac:picMkLst>
+        </pc:picChg>
+        <pc:picChg chg="del mod">
+          <ac:chgData name="Guest User" userId="S::urn:spo:anon#3205668be4588c2972589c1e47289ecaadf7add4689612247353337f1030b440::" providerId="AD" clId="Web-{5D9FA5E9-18DC-F178-D7E0-86373AD4F03E}" dt="2023-03-31T02:02:07.213" v="217"/>
           <ac:picMkLst>
             <pc:docMk/>
             <pc:sldMk cId="2123093239" sldId="258"/>
             <ac:picMk id="4" creationId="{C3C7DED4-607F-CF70-0500-3BDD707F8670}"/>
           </ac:picMkLst>
         </pc:picChg>
+        <pc:picChg chg="add mod">
+          <ac:chgData name="Guest User" userId="S::urn:spo:anon#3205668be4588c2972589c1e47289ecaadf7add4689612247353337f1030b440::" providerId="AD" clId="Web-{5D9FA5E9-18DC-F178-D7E0-86373AD4F03E}" dt="2023-03-31T02:07:13.442" v="255" actId="1076"/>
+          <ac:picMkLst>
+            <pc:docMk/>
+            <pc:sldMk cId="2123093239" sldId="258"/>
+            <ac:picMk id="5" creationId="{82996CCD-4403-E192-F472-AD5651BE47BA}"/>
+          </ac:picMkLst>
+        </pc:picChg>
+        <pc:picChg chg="add mod">
+          <ac:chgData name="Guest User" userId="S::urn:spo:anon#3205668be4588c2972589c1e47289ecaadf7add4689612247353337f1030b440::" providerId="AD" clId="Web-{5D9FA5E9-18DC-F178-D7E0-86373AD4F03E}" dt="2023-03-31T02:06:59.816" v="253" actId="1076"/>
+          <ac:picMkLst>
+            <pc:docMk/>
+            <pc:sldMk cId="2123093239" sldId="258"/>
+            <ac:picMk id="6" creationId="{34B6F671-BD58-6312-FAD2-BD9A78D4C7A8}"/>
+          </ac:picMkLst>
+        </pc:picChg>
+      </pc:sldChg>
+      <pc:sldChg chg="modSp add replId">
+        <pc:chgData name="Guest User" userId="S::urn:spo:anon#3205668be4588c2972589c1e47289ecaadf7add4689612247353337f1030b440::" providerId="AD" clId="Web-{5D9FA5E9-18DC-F178-D7E0-86373AD4F03E}" dt="2023-03-31T01:46:21.589" v="215" actId="20577"/>
+        <pc:sldMkLst>
+          <pc:docMk/>
+          <pc:sldMk cId="4290075758" sldId="260"/>
+        </pc:sldMkLst>
+        <pc:spChg chg="mod">
+          <ac:chgData name="Guest User" userId="S::urn:spo:anon#3205668be4588c2972589c1e47289ecaadf7add4689612247353337f1030b440::" providerId="AD" clId="Web-{5D9FA5E9-18DC-F178-D7E0-86373AD4F03E}" dt="2023-03-31T01:46:21.589" v="215" actId="20577"/>
+          <ac:spMkLst>
+            <pc:docMk/>
+            <pc:sldMk cId="4290075758" sldId="260"/>
+            <ac:spMk id="8" creationId="{FF0542F9-D859-157C-1D6C-1928E73F55FA}"/>
+          </ac:spMkLst>
+        </pc:spChg>
+      </pc:sldChg>
+    </pc:docChg>
+  </pc:docChgLst>
+  <pc:docChgLst>
+    <pc:chgData name="Martin, Tony" userId="b1bd46c3-4005-4c25-a278-03e5f4aa714e" providerId="ADAL" clId="{00EE004F-7DFB-D04D-A137-C4513362CFD9}"/>
+    <pc:docChg chg="addSld modSld sldOrd">
+      <pc:chgData name="Martin, Tony" userId="b1bd46c3-4005-4c25-a278-03e5f4aa714e" providerId="ADAL" clId="{00EE004F-7DFB-D04D-A137-C4513362CFD9}" dt="2023-03-30T13:55:38.530" v="47" actId="20577"/>
+      <pc:docMkLst>
+        <pc:docMk/>
+      </pc:docMkLst>
+      <pc:sldChg chg="modSp">
+        <pc:chgData name="Martin, Tony" userId="b1bd46c3-4005-4c25-a278-03e5f4aa714e" providerId="ADAL" clId="{00EE004F-7DFB-D04D-A137-C4513362CFD9}" dt="2023-03-30T13:55:09.191" v="12" actId="1076"/>
+        <pc:sldMkLst>
+          <pc:docMk/>
+          <pc:sldMk cId="3127641343" sldId="257"/>
+        </pc:sldMkLst>
+        <pc:spChg chg="mod">
+          <ac:chgData name="Martin, Tony" userId="b1bd46c3-4005-4c25-a278-03e5f4aa714e" providerId="ADAL" clId="{00EE004F-7DFB-D04D-A137-C4513362CFD9}" dt="2023-03-30T13:55:07.972" v="11" actId="20577"/>
+          <ac:spMkLst>
+            <pc:docMk/>
+            <pc:sldMk cId="3127641343" sldId="257"/>
+            <ac:spMk id="2" creationId="{556A5D17-3788-79FB-8877-A35F46FEC1C3}"/>
+          </ac:spMkLst>
+        </pc:spChg>
+        <pc:spChg chg="mod">
+          <ac:chgData name="Martin, Tony" userId="b1bd46c3-4005-4c25-a278-03e5f4aa714e" providerId="ADAL" clId="{00EE004F-7DFB-D04D-A137-C4513362CFD9}" dt="2023-03-30T13:55:09.191" v="12" actId="1076"/>
+          <ac:spMkLst>
+            <pc:docMk/>
+            <pc:sldMk cId="3127641343" sldId="257"/>
+            <ac:spMk id="3" creationId="{7FE39BC9-954B-70C9-55B8-CA3DD6F2DA77}"/>
+          </ac:spMkLst>
+        </pc:spChg>
+      </pc:sldChg>
+      <pc:sldChg chg="modSp new ord">
+        <pc:chgData name="Martin, Tony" userId="b1bd46c3-4005-4c25-a278-03e5f4aa714e" providerId="ADAL" clId="{00EE004F-7DFB-D04D-A137-C4513362CFD9}" dt="2023-03-30T13:55:38.530" v="47" actId="20577"/>
+        <pc:sldMkLst>
+          <pc:docMk/>
+          <pc:sldMk cId="1716521257" sldId="259"/>
+        </pc:sldMkLst>
+        <pc:spChg chg="mod">
+          <ac:chgData name="Martin, Tony" userId="b1bd46c3-4005-4c25-a278-03e5f4aa714e" providerId="ADAL" clId="{00EE004F-7DFB-D04D-A137-C4513362CFD9}" dt="2023-03-30T13:55:38.530" v="47" actId="20577"/>
+          <ac:spMkLst>
+            <pc:docMk/>
+            <pc:sldMk cId="1716521257" sldId="259"/>
+            <ac:spMk id="2" creationId="{C0167D60-1C62-A7DA-3853-0E8694CC6AE8}"/>
+          </ac:spMkLst>
+        </pc:spChg>
       </pc:sldChg>
     </pc:docChg>
   </pc:docChgLst>
@@ -3618,7 +3618,7 @@
           <a:p>
             <a:fld id="{91F9259A-1FE3-4FF9-8A07-BDD8177164ED}" type="datetime4">
               <a:rPr lang="en-US" smtClean="0"/>
-              <a:t>March 30, 2023</a:t>
+              <a:t>March 31, 2023</a:t>
             </a:fld>
             <a:endParaRPr lang="en-US"/>
           </a:p>
@@ -3793,7 +3793,7 @@
           <a:p>
             <a:fld id="{E5CC3C8F-D4A7-4EAD-92AD-82C91CB8BB85}" type="datetime4">
               <a:rPr lang="en-US" smtClean="0"/>
-              <a:t>March 30, 2023</a:t>
+              <a:t>March 31, 2023</a:t>
             </a:fld>
             <a:endParaRPr lang="en-US"/>
           </a:p>
@@ -4029,7 +4029,7 @@
           <a:p>
             <a:fld id="{BC011D41-E33C-4BC7-8272-37E8417FD097}" type="datetime4">
               <a:rPr lang="en-US" smtClean="0"/>
-              <a:t>March 30, 2023</a:t>
+              <a:t>March 31, 2023</a:t>
             </a:fld>
             <a:endParaRPr lang="en-US"/>
           </a:p>
@@ -4232,7 +4232,7 @@
           <a:p>
             <a:fld id="{5D340FED-6E95-4177-A7EF-CD303B9E611D}" type="datetime4">
               <a:rPr lang="en-US" smtClean="0"/>
-              <a:t>March 30, 2023</a:t>
+              <a:t>March 31, 2023</a:t>
             </a:fld>
             <a:endParaRPr lang="en-US"/>
           </a:p>
@@ -4521,7 +4521,7 @@
           <a:p>
             <a:fld id="{477962CB-39AD-45A9-800F-54DAB53D6021}" type="datetime4">
               <a:rPr lang="en-US" smtClean="0"/>
-              <a:t>March 30, 2023</a:t>
+              <a:t>March 31, 2023</a:t>
             </a:fld>
             <a:endParaRPr lang="en-US"/>
           </a:p>
@@ -4803,7 +4803,7 @@
           <a:p>
             <a:fld id="{2DEDF93D-55AB-4606-B9D7-742F1FC51983}" type="datetime4">
               <a:rPr lang="en-US" smtClean="0"/>
-              <a:t>March 30, 2023</a:t>
+              <a:t>March 31, 2023</a:t>
             </a:fld>
             <a:endParaRPr lang="en-US"/>
           </a:p>
@@ -5219,7 +5219,7 @@
           <a:p>
             <a:fld id="{DDF2841D-FB5C-47AB-B2FF-32E855C1EA71}" type="datetime4">
               <a:rPr lang="en-US" smtClean="0"/>
-              <a:t>March 30, 2023</a:t>
+              <a:t>March 31, 2023</a:t>
             </a:fld>
             <a:endParaRPr lang="en-US"/>
           </a:p>
@@ -5360,7 +5360,7 @@
           <a:p>
             <a:fld id="{118537E9-D174-424D-BEE8-AFC4CA5F9F97}" type="datetime4">
               <a:rPr lang="en-US" smtClean="0"/>
-              <a:t>March 30, 2023</a:t>
+              <a:t>March 31, 2023</a:t>
             </a:fld>
             <a:endParaRPr lang="en-US"/>
           </a:p>
@@ -5501,7 +5501,7 @@
           <a:p>
             <a:fld id="{1C7A44C0-F7AC-49C2-8289-1E7A86D9FB50}" type="datetime4">
               <a:rPr lang="en-US" smtClean="0"/>
-              <a:t>March 30, 2023</a:t>
+              <a:t>March 31, 2023</a:t>
             </a:fld>
             <a:endParaRPr lang="en-US"/>
           </a:p>
@@ -5814,7 +5814,7 @@
           <a:p>
             <a:fld id="{73BB84BC-6E78-40D1-8831-40AB1F596614}" type="datetime4">
               <a:rPr lang="en-US" smtClean="0"/>
-              <a:t>March 30, 2023</a:t>
+              <a:t>March 31, 2023</a:t>
             </a:fld>
             <a:endParaRPr lang="en-US"/>
           </a:p>
@@ -6105,7 +6105,7 @@
           <a:p>
             <a:fld id="{ADFA080F-3961-4D42-BEDE-84A1FED032F1}" type="datetime4">
               <a:rPr lang="en-US" smtClean="0"/>
-              <a:t>March 30, 2023</a:t>
+              <a:t>March 31, 2023</a:t>
             </a:fld>
             <a:endParaRPr lang="en-US"/>
           </a:p>
@@ -6385,7 +6385,7 @@
             <a:fld id="{A33960BD-7AC1-4217-9611-AAA56D3EE38F}" type="datetime4">
               <a:rPr lang="en-US" smtClean="0"/>
               <a:pPr/>
-              <a:t>March 30, 2023</a:t>
+              <a:t>March 31, 2023</a:t>
             </a:fld>
             <a:endParaRPr lang="en-US">
               <a:latin typeface="+mn-lt"/>
@@ -6492,8 +6492,8 @@
           </a:p>
         </p:txBody>
       </p:sp>
-      <mc:AlternateContent xmlns:mc="http://schemas.openxmlformats.org/markup-compatibility/2006" xmlns:p14="http://schemas.microsoft.com/office/powerpoint/2010/main">
-        <mc:Choice Requires="p14">
+      <mc:AlternateContent xmlns:mc="http://schemas.openxmlformats.org/markup-compatibility/2006">
+        <mc:Choice xmlns:p14="http://schemas.microsoft.com/office/powerpoint/2010/main" Requires="p14">
           <p:contentPart p14:bwMode="auto" r:id="rId14">
             <p14:nvContentPartPr>
               <p14:cNvPr id="18" name="Ink 17">
@@ -6512,7 +6512,7 @@
             </p14:xfrm>
           </p:contentPart>
         </mc:Choice>
-        <mc:Fallback xmlns="">
+        <mc:Fallback>
           <p:pic>
             <p:nvPicPr>
               <p:cNvPr id="18" name="Ink 17">
@@ -8468,7 +8468,7 @@
             </p:nvGraphicFramePr>
             <p:xfrm>
               <a:off x="1892179" y="3358964"/>
-              <a:ext cx="8128000" cy="2154556"/>
+              <a:ext cx="8128000" cy="2053019"/>
             </p:xfrm>
             <a:graphic>
               <a:graphicData uri="http://schemas.openxmlformats.org/drawingml/2006/table">
@@ -9113,7 +9113,7 @@
             </p:nvGraphicFramePr>
             <p:xfrm>
               <a:off x="1892179" y="3358964"/>
-              <a:ext cx="8128000" cy="2154556"/>
+              <a:ext cx="8128000" cy="2053019"/>
             </p:xfrm>
             <a:graphic>
               <a:graphicData uri="http://schemas.openxmlformats.org/drawingml/2006/table">
@@ -9199,7 +9199,7 @@
                         <a:blipFill>
                           <a:blip r:embed="rId4"/>
                           <a:stretch>
-                            <a:fillRect l="-100150" t="-67347" r="-600" b="-215306"/>
+                            <a:fillRect l="-100150" t="-67347" r="-600" b="-196939"/>
                           </a:stretch>
                         </a:blipFill>
                       </a:tcPr>
@@ -9210,7 +9210,7 @@
                       </a:ext>
                     </a:extLst>
                   </a:tr>
-                  <a:tr h="814261">
+                  <a:tr h="712724">
                     <a:tc>
                       <a:txBody>
                         <a:bodyPr/>
@@ -9237,7 +9237,7 @@
                         <a:blipFill>
                           <a:blip r:embed="rId4"/>
                           <a:stretch>
-                            <a:fillRect l="-100150" t="-122388" r="-600" b="-57463"/>
+                            <a:fillRect l="-100150" t="-140171" r="-600" b="-64957"/>
                           </a:stretch>
                         </a:blipFill>
                       </a:tcPr>
@@ -9275,7 +9275,7 @@
                         <a:blipFill>
                           <a:blip r:embed="rId4"/>
                           <a:stretch>
-                            <a:fillRect l="-100150" t="-488525" r="-600" b="-26230"/>
+                            <a:fillRect l="-100150" t="-460656" r="-600" b="-24590"/>
                           </a:stretch>
                         </a:blipFill>
                       </a:tcPr>
@@ -12583,7 +12583,7 @@
           <a:lstStyle/>
           <a:p>
             <a:r>
-              <a:rPr lang="en-US" dirty="0"/>
+              <a:rPr lang="en-US"/>
               <a:t>Epidemiology models</a:t>
             </a:r>
           </a:p>
@@ -12618,7 +12618,7 @@
           <a:lstStyle/>
           <a:p>
             <a:r>
-              <a:rPr lang="en-US" dirty="0"/>
+              <a:rPr lang="en-US"/>
               <a:t>Standard SIR Adaptation</a:t>
             </a:r>
           </a:p>
@@ -12628,7 +12628,7 @@
               <a:buChar char="•"/>
             </a:pPr>
             <a:r>
-              <a:rPr lang="en-US" dirty="0"/>
+              <a:rPr lang="en-US"/>
               <a:t>Accounts for birth and death rates</a:t>
             </a:r>
           </a:p>
@@ -12638,12 +12638,12 @@
               <a:buChar char="•"/>
             </a:pPr>
             <a:r>
-              <a:rPr lang="en-US" dirty="0"/>
+              <a:rPr lang="en-US"/>
               <a:t>Single-time infection</a:t>
             </a:r>
           </a:p>
           <a:p>
-            <a:endParaRPr lang="en-US" dirty="0"/>
+            <a:endParaRPr lang="en-US"/>
           </a:p>
         </p:txBody>
       </p:sp>
@@ -23472,7 +23472,7 @@
           <a:lstStyle/>
           <a:p>
             <a:r>
-              <a:rPr lang="en-US" dirty="0"/>
+              <a:rPr lang="en-US"/>
               <a:t>Epidemiology models</a:t>
             </a:r>
           </a:p>
@@ -23507,7 +23507,7 @@
           <a:lstStyle/>
           <a:p>
             <a:r>
-              <a:rPr lang="en-US" dirty="0"/>
+              <a:rPr lang="en-US"/>
               <a:t>Two different types of delayed differential equation models</a:t>
             </a:r>
           </a:p>
@@ -23517,14 +23517,14 @@
               <a:buChar char="•"/>
             </a:pPr>
             <a:r>
-              <a:rPr lang="en-US" dirty="0"/>
+              <a:rPr lang="en-US"/>
               <a:t>Vaccines being introduced with varying rates of vaccination</a:t>
             </a:r>
           </a:p>
           <a:p>
             <a:pPr marL="891540" lvl="2"/>
             <a:r>
-              <a:rPr lang="en-US" dirty="0"/>
+              <a:rPr lang="en-US"/>
               <a:t>τ is the lag between being vaccinated and being immune</a:t>
             </a:r>
           </a:p>
@@ -23534,14 +23534,14 @@
               <a:buChar char="•"/>
             </a:pPr>
             <a:r>
-              <a:rPr lang="en-US" dirty="0"/>
+              <a:rPr lang="en-US"/>
               <a:t>Disease has a fixed life span before a person recovers</a:t>
             </a:r>
           </a:p>
           <a:p>
             <a:pPr marL="891540" lvl="2"/>
             <a:r>
-              <a:rPr lang="en-US" dirty="0"/>
+              <a:rPr lang="en-US"/>
               <a:t>τ is the lifespan of the disease</a:t>
             </a:r>
           </a:p>
@@ -23550,7 +23550,7 @@
               <a:buFont typeface="Arial" panose="020B0604020202020204" pitchFamily="34" charset="0"/>
               <a:buChar char="•"/>
             </a:pPr>
-            <a:endParaRPr lang="en-US" dirty="0"/>
+            <a:endParaRPr lang="en-US"/>
           </a:p>
         </p:txBody>
       </p:sp>
@@ -24912,7 +24912,7 @@
           <a:lstStyle/>
           <a:p>
             <a:r>
-              <a:rPr lang="en-US" dirty="0"/>
+              <a:rPr lang="en-US"/>
               <a:t>Epidemiology models</a:t>
             </a:r>
           </a:p>
@@ -24947,7 +24947,7 @@
           <a:lstStyle/>
           <a:p>
             <a:r>
-              <a:rPr lang="en-US" dirty="0"/>
+              <a:rPr lang="en-US"/>
               <a:t>Two different types of delayed differential equation models</a:t>
             </a:r>
           </a:p>
@@ -24957,14 +24957,14 @@
               <a:buChar char="•"/>
             </a:pPr>
             <a:r>
-              <a:rPr lang="en-US" dirty="0"/>
+              <a:rPr lang="en-US"/>
               <a:t>Vaccines being introduced with varying rates of vaccination</a:t>
             </a:r>
           </a:p>
           <a:p>
             <a:pPr marL="891540" lvl="2"/>
             <a:r>
-              <a:rPr lang="en-US" dirty="0"/>
+              <a:rPr lang="en-US"/>
               <a:t>τ is the lag between being vaccinated and being immune</a:t>
             </a:r>
           </a:p>
@@ -24974,14 +24974,14 @@
               <a:buChar char="•"/>
             </a:pPr>
             <a:r>
-              <a:rPr lang="en-US" dirty="0"/>
+              <a:rPr lang="en-US"/>
               <a:t>Disease has a fixed life span before a person recovers</a:t>
             </a:r>
           </a:p>
           <a:p>
             <a:pPr marL="891540" lvl="2"/>
             <a:r>
-              <a:rPr lang="en-US" dirty="0"/>
+              <a:rPr lang="en-US"/>
               <a:t>τ is the lifespan of the disease</a:t>
             </a:r>
           </a:p>
@@ -24990,7 +24990,7 @@
               <a:buFont typeface="Arial" panose="020B0604020202020204" pitchFamily="34" charset="0"/>
               <a:buChar char="•"/>
             </a:pPr>
-            <a:endParaRPr lang="en-US" dirty="0"/>
+            <a:endParaRPr lang="en-US"/>
           </a:p>
         </p:txBody>
       </p:sp>
@@ -26352,7 +26352,7 @@
           <a:lstStyle/>
           <a:p>
             <a:r>
-              <a:rPr lang="en-US" dirty="0"/>
+              <a:rPr lang="en-US"/>
               <a:t>Epidemiology models</a:t>
             </a:r>
           </a:p>
@@ -26387,7 +26387,7 @@
           <a:lstStyle/>
           <a:p>
             <a:r>
-              <a:rPr lang="en-US" dirty="0"/>
+              <a:rPr lang="en-US"/>
               <a:t>Two different types of delayed differential equation models</a:t>
             </a:r>
           </a:p>
@@ -26397,14 +26397,14 @@
               <a:buChar char="•"/>
             </a:pPr>
             <a:r>
-              <a:rPr lang="en-US" dirty="0"/>
+              <a:rPr lang="en-US"/>
               <a:t>Vaccines being introduced with varying rates of vaccination</a:t>
             </a:r>
           </a:p>
           <a:p>
             <a:pPr marL="891540" lvl="2"/>
             <a:r>
-              <a:rPr lang="en-US" dirty="0"/>
+              <a:rPr lang="en-US"/>
               <a:t>τ is the lag between being vaccinated and being immune</a:t>
             </a:r>
           </a:p>
@@ -26414,14 +26414,14 @@
               <a:buChar char="•"/>
             </a:pPr>
             <a:r>
-              <a:rPr lang="en-US" dirty="0"/>
+              <a:rPr lang="en-US"/>
               <a:t>Disease has a fixed life span before a person recovers</a:t>
             </a:r>
           </a:p>
           <a:p>
             <a:pPr marL="891540" lvl="2"/>
             <a:r>
-              <a:rPr lang="en-US" dirty="0"/>
+              <a:rPr lang="en-US"/>
               <a:t>τ is the lifespan of the disease</a:t>
             </a:r>
           </a:p>
@@ -26430,7 +26430,7 @@
               <a:buFont typeface="Arial" panose="020B0604020202020204" pitchFamily="34" charset="0"/>
               <a:buChar char="•"/>
             </a:pPr>
-            <a:endParaRPr lang="en-US" dirty="0"/>
+            <a:endParaRPr lang="en-US"/>
           </a:p>
         </p:txBody>
       </p:sp>
